--- a/studio/checkbox_report/checkbox_report.pptx
+++ b/studio/checkbox_report/checkbox_report.pptx
@@ -11,15 +11,18 @@
     <p:sldId id="305" r:id="rId5"/>
     <p:sldId id="306" r:id="rId6"/>
     <p:sldId id="307" r:id="rId7"/>
-    <p:sldId id="308" r:id="rId8"/>
-    <p:sldId id="304" r:id="rId9"/>
-    <p:sldId id="295" r:id="rId10"/>
-    <p:sldId id="298" r:id="rId11"/>
-    <p:sldId id="299" r:id="rId12"/>
-    <p:sldId id="256" r:id="rId13"/>
-    <p:sldId id="258" r:id="rId14"/>
-    <p:sldId id="259" r:id="rId15"/>
-    <p:sldId id="260" r:id="rId16"/>
+    <p:sldId id="310" r:id="rId8"/>
+    <p:sldId id="309" r:id="rId9"/>
+    <p:sldId id="312" r:id="rId10"/>
+    <p:sldId id="308" r:id="rId11"/>
+    <p:sldId id="304" r:id="rId12"/>
+    <p:sldId id="295" r:id="rId13"/>
+    <p:sldId id="298" r:id="rId14"/>
+    <p:sldId id="299" r:id="rId15"/>
+    <p:sldId id="256" r:id="rId16"/>
+    <p:sldId id="258" r:id="rId17"/>
+    <p:sldId id="259" r:id="rId18"/>
+    <p:sldId id="260" r:id="rId19"/>
   </p:sldIdLst>
   <p:sldSz cx="12192000" cy="6858000"/>
   <p:notesSz cx="6858000" cy="9144000"/>
@@ -257,7 +260,7 @@
           <a:p>
             <a:fld id="{C9C5C8B1-AF6F-43FB-8ED7-D8AC773D6026}" type="datetimeFigureOut">
               <a:rPr lang="ko-KR" altLang="en-US" smtClean="0"/>
-              <a:t>2020-01-29</a:t>
+              <a:t>2020-01-31</a:t>
             </a:fld>
             <a:endParaRPr lang="ko-KR" altLang="en-US"/>
           </a:p>
@@ -427,7 +430,7 @@
           <a:p>
             <a:fld id="{C9C5C8B1-AF6F-43FB-8ED7-D8AC773D6026}" type="datetimeFigureOut">
               <a:rPr lang="ko-KR" altLang="en-US" smtClean="0"/>
-              <a:t>2020-01-29</a:t>
+              <a:t>2020-01-31</a:t>
             </a:fld>
             <a:endParaRPr lang="ko-KR" altLang="en-US"/>
           </a:p>
@@ -607,7 +610,7 @@
           <a:p>
             <a:fld id="{C9C5C8B1-AF6F-43FB-8ED7-D8AC773D6026}" type="datetimeFigureOut">
               <a:rPr lang="ko-KR" altLang="en-US" smtClean="0"/>
-              <a:t>2020-01-29</a:t>
+              <a:t>2020-01-31</a:t>
             </a:fld>
             <a:endParaRPr lang="ko-KR" altLang="en-US"/>
           </a:p>
@@ -777,7 +780,7 @@
           <a:p>
             <a:fld id="{C9C5C8B1-AF6F-43FB-8ED7-D8AC773D6026}" type="datetimeFigureOut">
               <a:rPr lang="ko-KR" altLang="en-US" smtClean="0"/>
-              <a:t>2020-01-29</a:t>
+              <a:t>2020-01-31</a:t>
             </a:fld>
             <a:endParaRPr lang="ko-KR" altLang="en-US"/>
           </a:p>
@@ -1023,7 +1026,7 @@
           <a:p>
             <a:fld id="{C9C5C8B1-AF6F-43FB-8ED7-D8AC773D6026}" type="datetimeFigureOut">
               <a:rPr lang="ko-KR" altLang="en-US" smtClean="0"/>
-              <a:t>2020-01-29</a:t>
+              <a:t>2020-01-31</a:t>
             </a:fld>
             <a:endParaRPr lang="ko-KR" altLang="en-US"/>
           </a:p>
@@ -1255,7 +1258,7 @@
           <a:p>
             <a:fld id="{C9C5C8B1-AF6F-43FB-8ED7-D8AC773D6026}" type="datetimeFigureOut">
               <a:rPr lang="ko-KR" altLang="en-US" smtClean="0"/>
-              <a:t>2020-01-29</a:t>
+              <a:t>2020-01-31</a:t>
             </a:fld>
             <a:endParaRPr lang="ko-KR" altLang="en-US"/>
           </a:p>
@@ -1622,7 +1625,7 @@
           <a:p>
             <a:fld id="{C9C5C8B1-AF6F-43FB-8ED7-D8AC773D6026}" type="datetimeFigureOut">
               <a:rPr lang="ko-KR" altLang="en-US" smtClean="0"/>
-              <a:t>2020-01-29</a:t>
+              <a:t>2020-01-31</a:t>
             </a:fld>
             <a:endParaRPr lang="ko-KR" altLang="en-US"/>
           </a:p>
@@ -1740,7 +1743,7 @@
           <a:p>
             <a:fld id="{C9C5C8B1-AF6F-43FB-8ED7-D8AC773D6026}" type="datetimeFigureOut">
               <a:rPr lang="ko-KR" altLang="en-US" smtClean="0"/>
-              <a:t>2020-01-29</a:t>
+              <a:t>2020-01-31</a:t>
             </a:fld>
             <a:endParaRPr lang="ko-KR" altLang="en-US"/>
           </a:p>
@@ -1835,7 +1838,7 @@
           <a:p>
             <a:fld id="{C9C5C8B1-AF6F-43FB-8ED7-D8AC773D6026}" type="datetimeFigureOut">
               <a:rPr lang="ko-KR" altLang="en-US" smtClean="0"/>
-              <a:t>2020-01-29</a:t>
+              <a:t>2020-01-31</a:t>
             </a:fld>
             <a:endParaRPr lang="ko-KR" altLang="en-US"/>
           </a:p>
@@ -2112,7 +2115,7 @@
           <a:p>
             <a:fld id="{C9C5C8B1-AF6F-43FB-8ED7-D8AC773D6026}" type="datetimeFigureOut">
               <a:rPr lang="ko-KR" altLang="en-US" smtClean="0"/>
-              <a:t>2020-01-29</a:t>
+              <a:t>2020-01-31</a:t>
             </a:fld>
             <a:endParaRPr lang="ko-KR" altLang="en-US"/>
           </a:p>
@@ -2365,7 +2368,7 @@
           <a:p>
             <a:fld id="{C9C5C8B1-AF6F-43FB-8ED7-D8AC773D6026}" type="datetimeFigureOut">
               <a:rPr lang="ko-KR" altLang="en-US" smtClean="0"/>
-              <a:t>2020-01-29</a:t>
+              <a:t>2020-01-31</a:t>
             </a:fld>
             <a:endParaRPr lang="ko-KR" altLang="en-US"/>
           </a:p>
@@ -2578,7 +2581,7 @@
           <a:p>
             <a:fld id="{C9C5C8B1-AF6F-43FB-8ED7-D8AC773D6026}" type="datetimeFigureOut">
               <a:rPr lang="ko-KR" altLang="en-US" smtClean="0"/>
-              <a:t>2020-01-29</a:t>
+              <a:t>2020-01-31</a:t>
             </a:fld>
             <a:endParaRPr lang="ko-KR" altLang="en-US"/>
           </a:p>
@@ -3076,7 +3079,7 @@
       </p:grpSpPr>
       <p:pic>
         <p:nvPicPr>
-          <p:cNvPr id="4" name="그림 3"/>
+          <p:cNvPr id="2" name="그림 1"/>
           <p:cNvPicPr>
             <a:picLocks noChangeAspect="1"/>
           </p:cNvPicPr>
@@ -3084,13 +3087,13 @@
         </p:nvPicPr>
         <p:blipFill rotWithShape="1">
           <a:blip r:embed="rId2"/>
-          <a:srcRect t="12189"/>
+          <a:srcRect t="12345"/>
           <a:stretch/>
         </p:blipFill>
         <p:spPr>
           <a:xfrm>
-            <a:off x="0" y="1114740"/>
-            <a:ext cx="12192000" cy="5743260"/>
+            <a:off x="0" y="966158"/>
+            <a:ext cx="12192000" cy="5733092"/>
           </a:xfrm>
           <a:prstGeom prst="rect">
             <a:avLst/>
@@ -3104,14 +3107,53 @@
       </p:pic>
       <p:sp>
         <p:nvSpPr>
-          <p:cNvPr id="7" name="직사각형 6"/>
+          <p:cNvPr id="7" name="TextBox 6"/>
+          <p:cNvSpPr txBox="1"/>
+          <p:nvPr/>
+        </p:nvSpPr>
+        <p:spPr>
+          <a:xfrm>
+            <a:off x="914399" y="507743"/>
+            <a:ext cx="8488393" cy="369332"/>
+          </a:xfrm>
+          <a:prstGeom prst="rect">
+            <a:avLst/>
+          </a:prstGeom>
+          <a:noFill/>
+        </p:spPr>
+        <p:txBody>
+          <a:bodyPr wrap="square" rtlCol="0">
+            <a:spAutoFit/>
+          </a:bodyPr>
+          <a:lstStyle/>
+          <a:p>
+            <a:r>
+              <a:rPr lang="en-US" altLang="ko-KR" dirty="0" smtClean="0"/>
+              <a:t>checkbox_report_03</a:t>
+            </a:r>
+            <a:r>
+              <a:rPr lang="en-US" altLang="ko-KR" dirty="0" smtClean="0">
+                <a:sym typeface="Wingdings" panose="05000000000000000000" pitchFamily="2" charset="2"/>
+              </a:rPr>
+              <a:t> </a:t>
+            </a:r>
+            <a:r>
+              <a:rPr lang="en-US" altLang="ko-KR" dirty="0" smtClean="0"/>
+              <a:t>combobox_report_st_03.png</a:t>
+            </a:r>
+          </a:p>
+        </p:txBody>
+      </p:sp>
+      <p:sp>
+        <p:nvSpPr>
+          <p:cNvPr id="8" name="직사각형 7"/>
           <p:cNvSpPr/>
           <p:nvPr/>
         </p:nvSpPr>
         <p:spPr>
           <a:xfrm>
-            <a:off x="117036" y="2494053"/>
-            <a:ext cx="11905160" cy="228285"/>
+            <a:off x="10993726" y="1826784"/>
+            <a:ext cx="504000" cy="288000"/>
           </a:xfrm>
           <a:prstGeom prst="rect">
             <a:avLst/>
@@ -3144,54 +3186,222 @@
           <a:lstStyle/>
           <a:p>
             <a:pPr algn="ctr"/>
-            <a:endParaRPr lang="ko-KR" altLang="en-US" u="sng"/>
-          </a:p>
-        </p:txBody>
-      </p:sp>
-      <p:sp>
-        <p:nvSpPr>
-          <p:cNvPr id="8" name="TextBox 7"/>
-          <p:cNvSpPr txBox="1"/>
-          <p:nvPr/>
-        </p:nvSpPr>
-        <p:spPr>
-          <a:xfrm>
-            <a:off x="764875" y="337936"/>
-            <a:ext cx="8488393" cy="369332"/>
+            <a:endParaRPr lang="ko-KR" altLang="en-US"/>
+          </a:p>
+        </p:txBody>
+      </p:sp>
+      <p:sp>
+        <p:nvSpPr>
+          <p:cNvPr id="10" name="직사각형 9"/>
+          <p:cNvSpPr>
+            <a:spLocks noChangeAspect="1"/>
+          </p:cNvSpPr>
+          <p:nvPr/>
+        </p:nvSpPr>
+        <p:spPr>
+          <a:xfrm>
+            <a:off x="10037473" y="3288553"/>
+            <a:ext cx="2124000" cy="283176"/>
           </a:xfrm>
           <a:prstGeom prst="rect">
             <a:avLst/>
           </a:prstGeom>
           <a:noFill/>
-        </p:spPr>
-        <p:txBody>
-          <a:bodyPr wrap="square" rtlCol="0">
-            <a:spAutoFit/>
-          </a:bodyPr>
-          <a:lstStyle/>
-          <a:p>
-            <a:r>
-              <a:rPr lang="en-US" altLang="ko-KR" dirty="0" smtClean="0"/>
-              <a:t>checkbox_report_06</a:t>
-            </a:r>
-            <a:r>
-              <a:rPr lang="en-US" altLang="ko-KR" dirty="0" smtClean="0">
-                <a:sym typeface="Wingdings" panose="05000000000000000000" pitchFamily="2" charset="2"/>
-              </a:rPr>
-              <a:t> </a:t>
-            </a:r>
-            <a:r>
-              <a:rPr lang="en-US" altLang="ko-KR" dirty="0" smtClean="0"/>
-              <a:t>checkbox_report_st_06.png</a:t>
-            </a:r>
-            <a:endParaRPr lang="en-US" altLang="ko-KR" dirty="0" smtClean="0"/>
-          </a:p>
-        </p:txBody>
-      </p:sp>
+          <a:ln w="19050">
+            <a:solidFill>
+              <a:schemeClr val="accent2"/>
+            </a:solidFill>
+          </a:ln>
+        </p:spPr>
+        <p:style>
+          <a:lnRef idx="2">
+            <a:schemeClr val="accent1">
+              <a:shade val="50000"/>
+            </a:schemeClr>
+          </a:lnRef>
+          <a:fillRef idx="1">
+            <a:schemeClr val="accent1"/>
+          </a:fillRef>
+          <a:effectRef idx="0">
+            <a:schemeClr val="accent1"/>
+          </a:effectRef>
+          <a:fontRef idx="minor">
+            <a:schemeClr val="lt1"/>
+          </a:fontRef>
+        </p:style>
+        <p:txBody>
+          <a:bodyPr rtlCol="0" anchor="ctr"/>
+          <a:lstStyle/>
+          <a:p>
+            <a:pPr algn="ctr"/>
+            <a:endParaRPr lang="ko-KR" altLang="en-US"/>
+          </a:p>
+        </p:txBody>
+      </p:sp>
+      <p:pic>
+        <p:nvPicPr>
+          <p:cNvPr id="11" name="그림 10" descr="/Users/Yongs/Downloads/DB 브라우저 그림파일/1.png"/>
+          <p:cNvPicPr>
+            <a:picLocks noChangeAspect="1"/>
+          </p:cNvPicPr>
+          <p:nvPr/>
+        </p:nvPicPr>
+        <p:blipFill rotWithShape="1">
+          <a:blip r:embed="rId3">
+            <a:extLst>
+              <a:ext uri="{28A0092B-C50C-407E-A947-70E740481C1C}">
+                <a14:useLocalDpi xmlns:a14="http://schemas.microsoft.com/office/drawing/2010/main" val="0"/>
+              </a:ext>
+            </a:extLst>
+          </a:blip>
+          <a:srcRect l="22981" t="21597" r="22981" b="35065"/>
+          <a:stretch/>
+        </p:blipFill>
+        <p:spPr bwMode="auto">
+          <a:xfrm>
+            <a:off x="11092726" y="1528287"/>
+            <a:ext cx="306000" cy="252000"/>
+          </a:xfrm>
+          <a:prstGeom prst="rect">
+            <a:avLst/>
+          </a:prstGeom>
+          <a:noFill/>
+          <a:ln>
+            <a:noFill/>
+          </a:ln>
+          <a:extLst>
+            <a:ext uri="{53640926-AAD7-44D8-BBD7-CCE9431645EC}">
+              <a14:shadowObscured xmlns:a14="http://schemas.microsoft.com/office/drawing/2010/main"/>
+            </a:ext>
+          </a:extLst>
+        </p:spPr>
+      </p:pic>
+      <p:pic>
+        <p:nvPicPr>
+          <p:cNvPr id="12" name="그림 11" descr="/Users/Yongs/Downloads/DB 브라우저 그림파일/2.png"/>
+          <p:cNvPicPr>
+            <a:picLocks noChangeAspect="1"/>
+          </p:cNvPicPr>
+          <p:nvPr/>
+        </p:nvPicPr>
+        <p:blipFill rotWithShape="1">
+          <a:blip r:embed="rId4">
+            <a:extLst>
+              <a:ext uri="{28A0092B-C50C-407E-A947-70E740481C1C}">
+                <a14:useLocalDpi xmlns:a14="http://schemas.microsoft.com/office/drawing/2010/main" val="0"/>
+              </a:ext>
+            </a:extLst>
+          </a:blip>
+          <a:srcRect l="23487" t="21694" r="23487" b="34739"/>
+          <a:stretch/>
+        </p:blipFill>
+        <p:spPr bwMode="auto">
+          <a:xfrm>
+            <a:off x="9663225" y="3304141"/>
+            <a:ext cx="306000" cy="252000"/>
+          </a:xfrm>
+          <a:prstGeom prst="rect">
+            <a:avLst/>
+          </a:prstGeom>
+          <a:noFill/>
+          <a:ln>
+            <a:noFill/>
+          </a:ln>
+          <a:extLst>
+            <a:ext uri="{53640926-AAD7-44D8-BBD7-CCE9431645EC}">
+              <a14:shadowObscured xmlns:a14="http://schemas.microsoft.com/office/drawing/2010/main"/>
+            </a:ext>
+          </a:extLst>
+        </p:spPr>
+      </p:pic>
+      <p:sp>
+        <p:nvSpPr>
+          <p:cNvPr id="18" name="직사각형 17"/>
+          <p:cNvSpPr/>
+          <p:nvPr/>
+        </p:nvSpPr>
+        <p:spPr>
+          <a:xfrm>
+            <a:off x="9579233" y="1277000"/>
+            <a:ext cx="360000" cy="252000"/>
+          </a:xfrm>
+          <a:prstGeom prst="rect">
+            <a:avLst/>
+          </a:prstGeom>
+          <a:noFill/>
+          <a:ln w="19050">
+            <a:solidFill>
+              <a:schemeClr val="accent2"/>
+            </a:solidFill>
+          </a:ln>
+        </p:spPr>
+        <p:style>
+          <a:lnRef idx="2">
+            <a:schemeClr val="accent1">
+              <a:shade val="50000"/>
+            </a:schemeClr>
+          </a:lnRef>
+          <a:fillRef idx="1">
+            <a:schemeClr val="accent1"/>
+          </a:fillRef>
+          <a:effectRef idx="0">
+            <a:schemeClr val="accent1"/>
+          </a:effectRef>
+          <a:fontRef idx="minor">
+            <a:schemeClr val="lt1"/>
+          </a:fontRef>
+        </p:style>
+        <p:txBody>
+          <a:bodyPr rtlCol="0" anchor="ctr"/>
+          <a:lstStyle/>
+          <a:p>
+            <a:pPr algn="ctr"/>
+            <a:endParaRPr lang="ko-KR" altLang="en-US"/>
+          </a:p>
+        </p:txBody>
+      </p:sp>
+      <p:pic>
+        <p:nvPicPr>
+          <p:cNvPr id="15" name="그림 14" descr="/Users/Yongs/Downloads/DB 브라우저 그림파일/3.png"/>
+          <p:cNvPicPr>
+            <a:picLocks noChangeAspect="1"/>
+          </p:cNvPicPr>
+          <p:nvPr/>
+        </p:nvPicPr>
+        <p:blipFill rotWithShape="1">
+          <a:blip r:embed="rId5">
+            <a:extLst>
+              <a:ext uri="{28A0092B-C50C-407E-A947-70E740481C1C}">
+                <a14:useLocalDpi xmlns:a14="http://schemas.microsoft.com/office/drawing/2010/main" val="0"/>
+              </a:ext>
+            </a:extLst>
+          </a:blip>
+          <a:srcRect l="22941" t="21673" r="22941" b="34717"/>
+          <a:stretch/>
+        </p:blipFill>
+        <p:spPr bwMode="auto">
+          <a:xfrm>
+            <a:off x="9605485" y="999892"/>
+            <a:ext cx="306000" cy="252000"/>
+          </a:xfrm>
+          <a:prstGeom prst="rect">
+            <a:avLst/>
+          </a:prstGeom>
+          <a:noFill/>
+          <a:ln>
+            <a:noFill/>
+          </a:ln>
+          <a:extLst>
+            <a:ext uri="{53640926-AAD7-44D8-BBD7-CCE9431645EC}">
+              <a14:shadowObscured xmlns:a14="http://schemas.microsoft.com/office/drawing/2010/main"/>
+            </a:ext>
+          </a:extLst>
+        </p:spPr>
+      </p:pic>
     </p:spTree>
     <p:extLst>
       <p:ext uri="{BB962C8B-B14F-4D97-AF65-F5344CB8AC3E}">
-        <p14:creationId xmlns:p14="http://schemas.microsoft.com/office/powerpoint/2010/main" val="2445177989"/>
+        <p14:creationId xmlns:p14="http://schemas.microsoft.com/office/powerpoint/2010/main" val="3623076471"/>
       </p:ext>
     </p:extLst>
   </p:cSld>
@@ -3220,7 +3430,7 @@
       </p:grpSpPr>
       <p:pic>
         <p:nvPicPr>
-          <p:cNvPr id="3" name="그림 2"/>
+          <p:cNvPr id="6" name="그림 5"/>
           <p:cNvPicPr>
             <a:picLocks noChangeAspect="1"/>
           </p:cNvPicPr>
@@ -3233,7 +3443,7 @@
         </p:blipFill>
         <p:spPr>
           <a:xfrm>
-            <a:off x="0" y="966158"/>
+            <a:off x="8626" y="1124908"/>
             <a:ext cx="12192000" cy="5733092"/>
           </a:xfrm>
           <a:prstGeom prst="rect">
@@ -3248,14 +3458,130 @@
       </p:pic>
       <p:sp>
         <p:nvSpPr>
-          <p:cNvPr id="7" name="직사각형 6"/>
+          <p:cNvPr id="7" name="TextBox 6"/>
+          <p:cNvSpPr txBox="1"/>
+          <p:nvPr/>
+        </p:nvSpPr>
+        <p:spPr>
+          <a:xfrm>
+            <a:off x="914399" y="507743"/>
+            <a:ext cx="8488393" cy="369332"/>
+          </a:xfrm>
+          <a:prstGeom prst="rect">
+            <a:avLst/>
+          </a:prstGeom>
+          <a:noFill/>
+        </p:spPr>
+        <p:txBody>
+          <a:bodyPr wrap="square" rtlCol="0">
+            <a:spAutoFit/>
+          </a:bodyPr>
+          <a:lstStyle/>
+          <a:p>
+            <a:r>
+              <a:rPr lang="en-US" altLang="ko-KR" dirty="0" smtClean="0"/>
+              <a:t>checkbox_report_04 </a:t>
+            </a:r>
+            <a:r>
+              <a:rPr lang="en-US" altLang="ko-KR" dirty="0" smtClean="0">
+                <a:sym typeface="Wingdings" panose="05000000000000000000" pitchFamily="2" charset="2"/>
+              </a:rPr>
+              <a:t> </a:t>
+            </a:r>
+            <a:r>
+              <a:rPr lang="en-US" altLang="ko-KR" dirty="0"/>
+              <a:t>checkbox_report_st_04.png</a:t>
+            </a:r>
+            <a:endParaRPr lang="en-US" altLang="ko-KR" dirty="0" smtClean="0"/>
+          </a:p>
+        </p:txBody>
+      </p:sp>
+      <p:pic>
+        <p:nvPicPr>
+          <p:cNvPr id="11" name="그림 10" descr="/Users/Yongs/Downloads/DB 브라우저 그림파일/1.png"/>
+          <p:cNvPicPr>
+            <a:picLocks noChangeAspect="1"/>
+          </p:cNvPicPr>
+          <p:nvPr/>
+        </p:nvPicPr>
+        <p:blipFill rotWithShape="1">
+          <a:blip r:embed="rId3">
+            <a:extLst>
+              <a:ext uri="{28A0092B-C50C-407E-A947-70E740481C1C}">
+                <a14:useLocalDpi xmlns:a14="http://schemas.microsoft.com/office/drawing/2010/main" val="0"/>
+              </a:ext>
+            </a:extLst>
+          </a:blip>
+          <a:srcRect l="22981" t="21597" r="22981" b="35065"/>
+          <a:stretch/>
+        </p:blipFill>
+        <p:spPr bwMode="auto">
+          <a:xfrm>
+            <a:off x="303586" y="2041690"/>
+            <a:ext cx="308650" cy="252000"/>
+          </a:xfrm>
+          <a:prstGeom prst="rect">
+            <a:avLst/>
+          </a:prstGeom>
+          <a:noFill/>
+          <a:ln>
+            <a:noFill/>
+          </a:ln>
+          <a:extLst>
+            <a:ext uri="{53640926-AAD7-44D8-BBD7-CCE9431645EC}">
+              <a14:shadowObscured xmlns:a14="http://schemas.microsoft.com/office/drawing/2010/main"/>
+            </a:ext>
+          </a:extLst>
+        </p:spPr>
+      </p:pic>
+      <p:pic>
+        <p:nvPicPr>
+          <p:cNvPr id="12" name="그림 11" descr="/Users/Yongs/Downloads/DB 브라우저 그림파일/2.png"/>
+          <p:cNvPicPr>
+            <a:picLocks noChangeAspect="1"/>
+          </p:cNvPicPr>
+          <p:nvPr/>
+        </p:nvPicPr>
+        <p:blipFill rotWithShape="1">
+          <a:blip r:embed="rId4">
+            <a:extLst>
+              <a:ext uri="{28A0092B-C50C-407E-A947-70E740481C1C}">
+                <a14:useLocalDpi xmlns:a14="http://schemas.microsoft.com/office/drawing/2010/main" val="0"/>
+              </a:ext>
+            </a:extLst>
+          </a:blip>
+          <a:srcRect l="23487" t="21694" r="23487" b="34739"/>
+          <a:stretch/>
+        </p:blipFill>
+        <p:spPr bwMode="auto">
+          <a:xfrm>
+            <a:off x="9689189" y="4458022"/>
+            <a:ext cx="306000" cy="252000"/>
+          </a:xfrm>
+          <a:prstGeom prst="rect">
+            <a:avLst/>
+          </a:prstGeom>
+          <a:noFill/>
+          <a:ln>
+            <a:noFill/>
+          </a:ln>
+          <a:extLst>
+            <a:ext uri="{53640926-AAD7-44D8-BBD7-CCE9431645EC}">
+              <a14:shadowObscured xmlns:a14="http://schemas.microsoft.com/office/drawing/2010/main"/>
+            </a:ext>
+          </a:extLst>
+        </p:spPr>
+      </p:pic>
+      <p:sp>
+        <p:nvSpPr>
+          <p:cNvPr id="14" name="직사각형 13"/>
           <p:cNvSpPr/>
           <p:nvPr/>
         </p:nvSpPr>
         <p:spPr>
           <a:xfrm>
-            <a:off x="2429986" y="2546207"/>
-            <a:ext cx="399478" cy="1370185"/>
+            <a:off x="303586" y="2345446"/>
+            <a:ext cx="9245856" cy="2330072"/>
           </a:xfrm>
           <a:prstGeom prst="rect">
             <a:avLst/>
@@ -3294,14 +3620,14 @@
       </p:sp>
       <p:sp>
         <p:nvSpPr>
-          <p:cNvPr id="8" name="직사각형 7"/>
+          <p:cNvPr id="17" name="직사각형 16"/>
           <p:cNvSpPr/>
           <p:nvPr/>
         </p:nvSpPr>
         <p:spPr>
           <a:xfrm>
-            <a:off x="268636" y="4576421"/>
-            <a:ext cx="2560828" cy="849594"/>
+            <a:off x="10048814" y="6498992"/>
+            <a:ext cx="2124000" cy="324000"/>
           </a:xfrm>
           <a:prstGeom prst="rect">
             <a:avLst/>
@@ -3340,13 +3666,496 @@
       </p:sp>
       <p:sp>
         <p:nvSpPr>
-          <p:cNvPr id="9" name="TextBox 8"/>
+          <p:cNvPr id="20" name="직사각형 19"/>
+          <p:cNvSpPr/>
+          <p:nvPr/>
+        </p:nvSpPr>
+        <p:spPr>
+          <a:xfrm>
+            <a:off x="10049942" y="4458022"/>
+            <a:ext cx="1966656" cy="545300"/>
+          </a:xfrm>
+          <a:prstGeom prst="rect">
+            <a:avLst/>
+          </a:prstGeom>
+          <a:noFill/>
+          <a:ln w="19050">
+            <a:solidFill>
+              <a:schemeClr val="accent2"/>
+            </a:solidFill>
+          </a:ln>
+        </p:spPr>
+        <p:style>
+          <a:lnRef idx="2">
+            <a:schemeClr val="accent1">
+              <a:shade val="50000"/>
+            </a:schemeClr>
+          </a:lnRef>
+          <a:fillRef idx="1">
+            <a:schemeClr val="accent1"/>
+          </a:fillRef>
+          <a:effectRef idx="0">
+            <a:schemeClr val="accent1"/>
+          </a:effectRef>
+          <a:fontRef idx="minor">
+            <a:schemeClr val="lt1"/>
+          </a:fontRef>
+        </p:style>
+        <p:txBody>
+          <a:bodyPr rtlCol="0" anchor="ctr"/>
+          <a:lstStyle/>
+          <a:p>
+            <a:pPr algn="ctr"/>
+            <a:endParaRPr lang="ko-KR" altLang="en-US"/>
+          </a:p>
+        </p:txBody>
+      </p:sp>
+      <p:sp>
+        <p:nvSpPr>
+          <p:cNvPr id="21" name="직사각형 20"/>
+          <p:cNvSpPr/>
+          <p:nvPr/>
+        </p:nvSpPr>
+        <p:spPr>
+          <a:xfrm>
+            <a:off x="10022935" y="1966822"/>
+            <a:ext cx="535797" cy="326867"/>
+          </a:xfrm>
+          <a:prstGeom prst="rect">
+            <a:avLst/>
+          </a:prstGeom>
+          <a:noFill/>
+          <a:ln w="19050">
+            <a:solidFill>
+              <a:schemeClr val="accent2"/>
+            </a:solidFill>
+          </a:ln>
+        </p:spPr>
+        <p:style>
+          <a:lnRef idx="2">
+            <a:schemeClr val="accent1">
+              <a:shade val="50000"/>
+            </a:schemeClr>
+          </a:lnRef>
+          <a:fillRef idx="1">
+            <a:schemeClr val="accent1"/>
+          </a:fillRef>
+          <a:effectRef idx="0">
+            <a:schemeClr val="accent1"/>
+          </a:effectRef>
+          <a:fontRef idx="minor">
+            <a:schemeClr val="lt1"/>
+          </a:fontRef>
+        </p:style>
+        <p:txBody>
+          <a:bodyPr rtlCol="0" anchor="ctr"/>
+          <a:lstStyle/>
+          <a:p>
+            <a:pPr algn="ctr"/>
+            <a:endParaRPr lang="ko-KR" altLang="en-US"/>
+          </a:p>
+        </p:txBody>
+      </p:sp>
+      <p:pic>
+        <p:nvPicPr>
+          <p:cNvPr id="22" name="그림 21" descr="/Users/Yongs/Downloads/DB 브라우저 그림파일/3.png"/>
+          <p:cNvPicPr>
+            <a:picLocks noChangeAspect="1"/>
+          </p:cNvPicPr>
+          <p:nvPr/>
+        </p:nvPicPr>
+        <p:blipFill rotWithShape="1">
+          <a:blip r:embed="rId5">
+            <a:extLst>
+              <a:ext uri="{28A0092B-C50C-407E-A947-70E740481C1C}">
+                <a14:useLocalDpi xmlns:a14="http://schemas.microsoft.com/office/drawing/2010/main" val="0"/>
+              </a:ext>
+            </a:extLst>
+          </a:blip>
+          <a:srcRect l="22941" t="21673" r="22941" b="34717"/>
+          <a:stretch/>
+        </p:blipFill>
+        <p:spPr bwMode="auto">
+          <a:xfrm>
+            <a:off x="9689189" y="5585474"/>
+            <a:ext cx="306000" cy="252000"/>
+          </a:xfrm>
+          <a:prstGeom prst="rect">
+            <a:avLst/>
+          </a:prstGeom>
+          <a:noFill/>
+          <a:ln>
+            <a:noFill/>
+          </a:ln>
+          <a:extLst>
+            <a:ext uri="{53640926-AAD7-44D8-BBD7-CCE9431645EC}">
+              <a14:shadowObscured xmlns:a14="http://schemas.microsoft.com/office/drawing/2010/main"/>
+            </a:ext>
+          </a:extLst>
+        </p:spPr>
+      </p:pic>
+      <p:sp>
+        <p:nvSpPr>
+          <p:cNvPr id="23" name="직사각형 22"/>
+          <p:cNvSpPr/>
+          <p:nvPr/>
+        </p:nvSpPr>
+        <p:spPr>
+          <a:xfrm>
+            <a:off x="10067194" y="5633048"/>
+            <a:ext cx="664066" cy="204426"/>
+          </a:xfrm>
+          <a:prstGeom prst="rect">
+            <a:avLst/>
+          </a:prstGeom>
+          <a:noFill/>
+          <a:ln w="19050">
+            <a:solidFill>
+              <a:schemeClr val="accent2"/>
+            </a:solidFill>
+          </a:ln>
+        </p:spPr>
+        <p:style>
+          <a:lnRef idx="2">
+            <a:schemeClr val="accent1">
+              <a:shade val="50000"/>
+            </a:schemeClr>
+          </a:lnRef>
+          <a:fillRef idx="1">
+            <a:schemeClr val="accent1"/>
+          </a:fillRef>
+          <a:effectRef idx="0">
+            <a:schemeClr val="accent1"/>
+          </a:effectRef>
+          <a:fontRef idx="minor">
+            <a:schemeClr val="lt1"/>
+          </a:fontRef>
+        </p:style>
+        <p:txBody>
+          <a:bodyPr rtlCol="0" anchor="ctr"/>
+          <a:lstStyle/>
+          <a:p>
+            <a:pPr algn="ctr"/>
+            <a:endParaRPr lang="ko-KR" altLang="en-US"/>
+          </a:p>
+        </p:txBody>
+      </p:sp>
+      <p:pic>
+        <p:nvPicPr>
+          <p:cNvPr id="24" name="그림 23" descr="/Users/Yongs/Downloads/DB 브라우저 그림파일/4.png"/>
+          <p:cNvPicPr>
+            <a:picLocks noChangeAspect="1"/>
+          </p:cNvPicPr>
+          <p:nvPr/>
+        </p:nvPicPr>
+        <p:blipFill rotWithShape="1">
+          <a:blip r:embed="rId6">
+            <a:extLst>
+              <a:ext uri="{28A0092B-C50C-407E-A947-70E740481C1C}">
+                <a14:useLocalDpi xmlns:a14="http://schemas.microsoft.com/office/drawing/2010/main" val="0"/>
+              </a:ext>
+            </a:extLst>
+          </a:blip>
+          <a:srcRect l="22941" t="21673" r="22941" b="34717"/>
+          <a:stretch/>
+        </p:blipFill>
+        <p:spPr bwMode="auto">
+          <a:xfrm>
+            <a:off x="457911" y="4785826"/>
+            <a:ext cx="306000" cy="252000"/>
+          </a:xfrm>
+          <a:prstGeom prst="rect">
+            <a:avLst/>
+          </a:prstGeom>
+          <a:noFill/>
+          <a:ln>
+            <a:noFill/>
+          </a:ln>
+          <a:extLst>
+            <a:ext uri="{53640926-AAD7-44D8-BBD7-CCE9431645EC}">
+              <a14:shadowObscured xmlns:a14="http://schemas.microsoft.com/office/drawing/2010/main"/>
+            </a:ext>
+          </a:extLst>
+        </p:spPr>
+      </p:pic>
+      <p:sp>
+        <p:nvSpPr>
+          <p:cNvPr id="25" name="직사각형 24"/>
+          <p:cNvSpPr/>
+          <p:nvPr/>
+        </p:nvSpPr>
+        <p:spPr>
+          <a:xfrm>
+            <a:off x="406154" y="5058956"/>
+            <a:ext cx="2828751" cy="1005414"/>
+          </a:xfrm>
+          <a:prstGeom prst="rect">
+            <a:avLst/>
+          </a:prstGeom>
+          <a:noFill/>
+          <a:ln w="19050">
+            <a:solidFill>
+              <a:schemeClr val="accent2"/>
+            </a:solidFill>
+          </a:ln>
+        </p:spPr>
+        <p:style>
+          <a:lnRef idx="2">
+            <a:schemeClr val="accent1">
+              <a:shade val="50000"/>
+            </a:schemeClr>
+          </a:lnRef>
+          <a:fillRef idx="1">
+            <a:schemeClr val="accent1"/>
+          </a:fillRef>
+          <a:effectRef idx="0">
+            <a:schemeClr val="accent1"/>
+          </a:effectRef>
+          <a:fontRef idx="minor">
+            <a:schemeClr val="lt1"/>
+          </a:fontRef>
+        </p:style>
+        <p:txBody>
+          <a:bodyPr rtlCol="0" anchor="ctr"/>
+          <a:lstStyle/>
+          <a:p>
+            <a:pPr algn="ctr"/>
+            <a:endParaRPr lang="ko-KR" altLang="en-US"/>
+          </a:p>
+        </p:txBody>
+      </p:sp>
+      <p:pic>
+        <p:nvPicPr>
+          <p:cNvPr id="27" name="그림 26"/>
+          <p:cNvPicPr>
+            <a:picLocks noChangeAspect="1"/>
+          </p:cNvPicPr>
+          <p:nvPr/>
+        </p:nvPicPr>
+        <p:blipFill rotWithShape="1">
+          <a:blip r:embed="rId7">
+            <a:extLst>
+              <a:ext uri="{28A0092B-C50C-407E-A947-70E740481C1C}">
+                <a14:useLocalDpi xmlns:a14="http://schemas.microsoft.com/office/drawing/2010/main" val="0"/>
+              </a:ext>
+            </a:extLst>
+          </a:blip>
+          <a:srcRect l="22766" t="21738" r="22766" b="34782"/>
+          <a:stretch/>
+        </p:blipFill>
+        <p:spPr bwMode="auto">
+          <a:xfrm>
+            <a:off x="9689189" y="6517740"/>
+            <a:ext cx="306000" cy="252000"/>
+          </a:xfrm>
+          <a:prstGeom prst="rect">
+            <a:avLst/>
+          </a:prstGeom>
+          <a:ln>
+            <a:noFill/>
+          </a:ln>
+          <a:extLst>
+            <a:ext uri="{53640926-AAD7-44D8-BBD7-CCE9431645EC}">
+              <a14:shadowObscured xmlns:a14="http://schemas.microsoft.com/office/drawing/2010/main"/>
+            </a:ext>
+          </a:extLst>
+        </p:spPr>
+      </p:pic>
+      <p:pic>
+        <p:nvPicPr>
+          <p:cNvPr id="29" name="그림 28" descr="/Users/Yongs/Downloads/DB 브라우저 그림파일/6.png"/>
+          <p:cNvPicPr/>
+          <p:nvPr/>
+        </p:nvPicPr>
+        <p:blipFill rotWithShape="1">
+          <a:blip r:embed="rId8">
+            <a:extLst>
+              <a:ext uri="{28A0092B-C50C-407E-A947-70E740481C1C}">
+                <a14:useLocalDpi xmlns:a14="http://schemas.microsoft.com/office/drawing/2010/main" val="0"/>
+              </a:ext>
+            </a:extLst>
+          </a:blip>
+          <a:srcRect l="22940" t="21673" r="22940" b="34717"/>
+          <a:stretch/>
+        </p:blipFill>
+        <p:spPr bwMode="auto">
+          <a:xfrm>
+            <a:off x="9615625" y="1169216"/>
+            <a:ext cx="272904" cy="224744"/>
+          </a:xfrm>
+          <a:prstGeom prst="rect">
+            <a:avLst/>
+          </a:prstGeom>
+          <a:noFill/>
+          <a:ln>
+            <a:noFill/>
+          </a:ln>
+          <a:extLst>
+            <a:ext uri="{53640926-AAD7-44D8-BBD7-CCE9431645EC}">
+              <a14:shadowObscured xmlns:a14="http://schemas.microsoft.com/office/drawing/2010/main"/>
+            </a:ext>
+          </a:extLst>
+        </p:spPr>
+      </p:pic>
+      <p:sp>
+        <p:nvSpPr>
+          <p:cNvPr id="30" name="직사각형 29"/>
+          <p:cNvSpPr/>
+          <p:nvPr/>
+        </p:nvSpPr>
+        <p:spPr>
+          <a:xfrm>
+            <a:off x="9582916" y="1421016"/>
+            <a:ext cx="360000" cy="252000"/>
+          </a:xfrm>
+          <a:prstGeom prst="rect">
+            <a:avLst/>
+          </a:prstGeom>
+          <a:noFill/>
+          <a:ln w="19050">
+            <a:solidFill>
+              <a:schemeClr val="accent2"/>
+            </a:solidFill>
+          </a:ln>
+        </p:spPr>
+        <p:style>
+          <a:lnRef idx="2">
+            <a:schemeClr val="accent1">
+              <a:shade val="50000"/>
+            </a:schemeClr>
+          </a:lnRef>
+          <a:fillRef idx="1">
+            <a:schemeClr val="accent1"/>
+          </a:fillRef>
+          <a:effectRef idx="0">
+            <a:schemeClr val="accent1"/>
+          </a:effectRef>
+          <a:fontRef idx="minor">
+            <a:schemeClr val="lt1"/>
+          </a:fontRef>
+        </p:style>
+        <p:txBody>
+          <a:bodyPr rtlCol="0" anchor="ctr"/>
+          <a:lstStyle/>
+          <a:p>
+            <a:pPr algn="ctr"/>
+            <a:endParaRPr lang="ko-KR" altLang="en-US"/>
+          </a:p>
+        </p:txBody>
+      </p:sp>
+    </p:spTree>
+    <p:extLst>
+      <p:ext uri="{BB962C8B-B14F-4D97-AF65-F5344CB8AC3E}">
+        <p14:creationId xmlns:p14="http://schemas.microsoft.com/office/powerpoint/2010/main" val="955759478"/>
+      </p:ext>
+    </p:extLst>
+  </p:cSld>
+  <p:clrMapOvr>
+    <a:masterClrMapping/>
+  </p:clrMapOvr>
+</p:sld>
+</file>
+
+<file path=ppt/slides/slide12.xml><?xml version="1.0" encoding="utf-8"?>
+<p:sld xmlns:a="http://schemas.openxmlformats.org/drawingml/2006/main" xmlns:r="http://schemas.openxmlformats.org/officeDocument/2006/relationships" xmlns:p="http://schemas.openxmlformats.org/presentationml/2006/main">
+  <p:cSld>
+    <p:spTree>
+      <p:nvGrpSpPr>
+        <p:cNvPr id="1" name=""/>
+        <p:cNvGrpSpPr/>
+        <p:nvPr/>
+      </p:nvGrpSpPr>
+      <p:grpSpPr>
+        <a:xfrm>
+          <a:off x="0" y="0"/>
+          <a:ext cx="0" cy="0"/>
+          <a:chOff x="0" y="0"/>
+          <a:chExt cx="0" cy="0"/>
+        </a:xfrm>
+      </p:grpSpPr>
+      <p:pic>
+        <p:nvPicPr>
+          <p:cNvPr id="7" name="그림 6"/>
+          <p:cNvPicPr>
+            <a:picLocks noChangeAspect="1"/>
+          </p:cNvPicPr>
+          <p:nvPr/>
+        </p:nvPicPr>
+        <p:blipFill rotWithShape="1">
+          <a:blip r:embed="rId2"/>
+          <a:srcRect t="12081" r="28679" b="16697"/>
+          <a:stretch/>
+        </p:blipFill>
+        <p:spPr>
+          <a:xfrm>
+            <a:off x="379564" y="1349123"/>
+            <a:ext cx="8695426" cy="4658264"/>
+          </a:xfrm>
+          <a:prstGeom prst="rect">
+            <a:avLst/>
+          </a:prstGeom>
+          <a:ln>
+            <a:solidFill>
+              <a:schemeClr val="tx1"/>
+            </a:solidFill>
+          </a:ln>
+        </p:spPr>
+      </p:pic>
+      <p:sp>
+        <p:nvSpPr>
+          <p:cNvPr id="5" name="직사각형 4"/>
+          <p:cNvSpPr/>
+          <p:nvPr/>
+        </p:nvSpPr>
+        <p:spPr>
+          <a:xfrm>
+            <a:off x="7472014" y="3622902"/>
+            <a:ext cx="296686" cy="179714"/>
+          </a:xfrm>
+          <a:prstGeom prst="rect">
+            <a:avLst/>
+          </a:prstGeom>
+          <a:noFill/>
+          <a:ln w="19050">
+            <a:solidFill>
+              <a:schemeClr val="accent2"/>
+            </a:solidFill>
+          </a:ln>
+        </p:spPr>
+        <p:style>
+          <a:lnRef idx="2">
+            <a:schemeClr val="accent1">
+              <a:shade val="50000"/>
+            </a:schemeClr>
+          </a:lnRef>
+          <a:fillRef idx="1">
+            <a:schemeClr val="accent1"/>
+          </a:fillRef>
+          <a:effectRef idx="0">
+            <a:schemeClr val="accent1"/>
+          </a:effectRef>
+          <a:fontRef idx="minor">
+            <a:schemeClr val="lt1"/>
+          </a:fontRef>
+        </p:style>
+        <p:txBody>
+          <a:bodyPr rtlCol="0" anchor="ctr"/>
+          <a:lstStyle/>
+          <a:p>
+            <a:pPr algn="ctr"/>
+            <a:endParaRPr lang="ko-KR" altLang="en-US"/>
+          </a:p>
+        </p:txBody>
+      </p:sp>
+      <p:sp>
+        <p:nvSpPr>
+          <p:cNvPr id="6" name="TextBox 5"/>
           <p:cNvSpPr txBox="1"/>
           <p:nvPr/>
         </p:nvSpPr>
         <p:spPr>
           <a:xfrm>
-            <a:off x="764875" y="337936"/>
+            <a:off x="914399" y="507743"/>
             <a:ext cx="8488393" cy="369332"/>
           </a:xfrm>
           <a:prstGeom prst="rect">
@@ -3362,7 +4171,7 @@
           <a:p>
             <a:r>
               <a:rPr lang="en-US" altLang="ko-KR" dirty="0" smtClean="0"/>
-              <a:t>checkbox_report_07</a:t>
+              <a:t>checkbox_report_05</a:t>
             </a:r>
             <a:r>
               <a:rPr lang="en-US" altLang="ko-KR" dirty="0" smtClean="0">
@@ -3372,9 +4181,340 @@
             </a:r>
             <a:r>
               <a:rPr lang="en-US" altLang="ko-KR" dirty="0" smtClean="0"/>
+              <a:t>checkbox_report_st_05.png</a:t>
+            </a:r>
+          </a:p>
+        </p:txBody>
+      </p:sp>
+    </p:spTree>
+    <p:extLst>
+      <p:ext uri="{BB962C8B-B14F-4D97-AF65-F5344CB8AC3E}">
+        <p14:creationId xmlns:p14="http://schemas.microsoft.com/office/powerpoint/2010/main" val="3956891026"/>
+      </p:ext>
+    </p:extLst>
+  </p:cSld>
+  <p:clrMapOvr>
+    <a:masterClrMapping/>
+  </p:clrMapOvr>
+</p:sld>
+</file>
+
+<file path=ppt/slides/slide13.xml><?xml version="1.0" encoding="utf-8"?>
+<p:sld xmlns:a="http://schemas.openxmlformats.org/drawingml/2006/main" xmlns:r="http://schemas.openxmlformats.org/officeDocument/2006/relationships" xmlns:p="http://schemas.openxmlformats.org/presentationml/2006/main">
+  <p:cSld>
+    <p:spTree>
+      <p:nvGrpSpPr>
+        <p:cNvPr id="1" name=""/>
+        <p:cNvGrpSpPr/>
+        <p:nvPr/>
+      </p:nvGrpSpPr>
+      <p:grpSpPr>
+        <a:xfrm>
+          <a:off x="0" y="0"/>
+          <a:ext cx="0" cy="0"/>
+          <a:chOff x="0" y="0"/>
+          <a:chExt cx="0" cy="0"/>
+        </a:xfrm>
+      </p:grpSpPr>
+      <p:pic>
+        <p:nvPicPr>
+          <p:cNvPr id="4" name="그림 3"/>
+          <p:cNvPicPr>
+            <a:picLocks noChangeAspect="1"/>
+          </p:cNvPicPr>
+          <p:nvPr/>
+        </p:nvPicPr>
+        <p:blipFill rotWithShape="1">
+          <a:blip r:embed="rId2"/>
+          <a:srcRect t="12189"/>
+          <a:stretch/>
+        </p:blipFill>
+        <p:spPr>
+          <a:xfrm>
+            <a:off x="0" y="1114740"/>
+            <a:ext cx="12192000" cy="5743260"/>
+          </a:xfrm>
+          <a:prstGeom prst="rect">
+            <a:avLst/>
+          </a:prstGeom>
+          <a:ln>
+            <a:solidFill>
+              <a:schemeClr val="tx1"/>
+            </a:solidFill>
+          </a:ln>
+        </p:spPr>
+      </p:pic>
+      <p:sp>
+        <p:nvSpPr>
+          <p:cNvPr id="7" name="직사각형 6"/>
+          <p:cNvSpPr/>
+          <p:nvPr/>
+        </p:nvSpPr>
+        <p:spPr>
+          <a:xfrm>
+            <a:off x="117036" y="2494053"/>
+            <a:ext cx="11905160" cy="228285"/>
+          </a:xfrm>
+          <a:prstGeom prst="rect">
+            <a:avLst/>
+          </a:prstGeom>
+          <a:noFill/>
+          <a:ln w="19050">
+            <a:solidFill>
+              <a:schemeClr val="accent2"/>
+            </a:solidFill>
+          </a:ln>
+        </p:spPr>
+        <p:style>
+          <a:lnRef idx="2">
+            <a:schemeClr val="accent1">
+              <a:shade val="50000"/>
+            </a:schemeClr>
+          </a:lnRef>
+          <a:fillRef idx="1">
+            <a:schemeClr val="accent1"/>
+          </a:fillRef>
+          <a:effectRef idx="0">
+            <a:schemeClr val="accent1"/>
+          </a:effectRef>
+          <a:fontRef idx="minor">
+            <a:schemeClr val="lt1"/>
+          </a:fontRef>
+        </p:style>
+        <p:txBody>
+          <a:bodyPr rtlCol="0" anchor="ctr"/>
+          <a:lstStyle/>
+          <a:p>
+            <a:pPr algn="ctr"/>
+            <a:endParaRPr lang="ko-KR" altLang="en-US" u="sng"/>
+          </a:p>
+        </p:txBody>
+      </p:sp>
+      <p:sp>
+        <p:nvSpPr>
+          <p:cNvPr id="8" name="TextBox 7"/>
+          <p:cNvSpPr txBox="1"/>
+          <p:nvPr/>
+        </p:nvSpPr>
+        <p:spPr>
+          <a:xfrm>
+            <a:off x="764875" y="337936"/>
+            <a:ext cx="8488393" cy="369332"/>
+          </a:xfrm>
+          <a:prstGeom prst="rect">
+            <a:avLst/>
+          </a:prstGeom>
+          <a:noFill/>
+        </p:spPr>
+        <p:txBody>
+          <a:bodyPr wrap="square" rtlCol="0">
+            <a:spAutoFit/>
+          </a:bodyPr>
+          <a:lstStyle/>
+          <a:p>
+            <a:r>
+              <a:rPr lang="en-US" altLang="ko-KR" dirty="0" smtClean="0"/>
+              <a:t>checkbox_report_06</a:t>
+            </a:r>
+            <a:r>
+              <a:rPr lang="en-US" altLang="ko-KR" dirty="0" smtClean="0">
+                <a:sym typeface="Wingdings" panose="05000000000000000000" pitchFamily="2" charset="2"/>
+              </a:rPr>
+              <a:t> </a:t>
+            </a:r>
+            <a:r>
+              <a:rPr lang="en-US" altLang="ko-KR" dirty="0" smtClean="0"/>
+              <a:t>checkbox_report_st_06.png</a:t>
+            </a:r>
+          </a:p>
+        </p:txBody>
+      </p:sp>
+    </p:spTree>
+    <p:extLst>
+      <p:ext uri="{BB962C8B-B14F-4D97-AF65-F5344CB8AC3E}">
+        <p14:creationId xmlns:p14="http://schemas.microsoft.com/office/powerpoint/2010/main" val="2445177989"/>
+      </p:ext>
+    </p:extLst>
+  </p:cSld>
+  <p:clrMapOvr>
+    <a:masterClrMapping/>
+  </p:clrMapOvr>
+</p:sld>
+</file>
+
+<file path=ppt/slides/slide14.xml><?xml version="1.0" encoding="utf-8"?>
+<p:sld xmlns:a="http://schemas.openxmlformats.org/drawingml/2006/main" xmlns:r="http://schemas.openxmlformats.org/officeDocument/2006/relationships" xmlns:p="http://schemas.openxmlformats.org/presentationml/2006/main">
+  <p:cSld>
+    <p:spTree>
+      <p:nvGrpSpPr>
+        <p:cNvPr id="1" name=""/>
+        <p:cNvGrpSpPr/>
+        <p:nvPr/>
+      </p:nvGrpSpPr>
+      <p:grpSpPr>
+        <a:xfrm>
+          <a:off x="0" y="0"/>
+          <a:ext cx="0" cy="0"/>
+          <a:chOff x="0" y="0"/>
+          <a:chExt cx="0" cy="0"/>
+        </a:xfrm>
+      </p:grpSpPr>
+      <p:pic>
+        <p:nvPicPr>
+          <p:cNvPr id="3" name="그림 2"/>
+          <p:cNvPicPr>
+            <a:picLocks noChangeAspect="1"/>
+          </p:cNvPicPr>
+          <p:nvPr/>
+        </p:nvPicPr>
+        <p:blipFill rotWithShape="1">
+          <a:blip r:embed="rId2"/>
+          <a:srcRect t="12345"/>
+          <a:stretch/>
+        </p:blipFill>
+        <p:spPr>
+          <a:xfrm>
+            <a:off x="0" y="966158"/>
+            <a:ext cx="12192000" cy="5733092"/>
+          </a:xfrm>
+          <a:prstGeom prst="rect">
+            <a:avLst/>
+          </a:prstGeom>
+          <a:ln>
+            <a:solidFill>
+              <a:schemeClr val="tx1"/>
+            </a:solidFill>
+          </a:ln>
+        </p:spPr>
+      </p:pic>
+      <p:sp>
+        <p:nvSpPr>
+          <p:cNvPr id="7" name="직사각형 6"/>
+          <p:cNvSpPr/>
+          <p:nvPr/>
+        </p:nvSpPr>
+        <p:spPr>
+          <a:xfrm>
+            <a:off x="2429986" y="2546207"/>
+            <a:ext cx="399478" cy="1370185"/>
+          </a:xfrm>
+          <a:prstGeom prst="rect">
+            <a:avLst/>
+          </a:prstGeom>
+          <a:noFill/>
+          <a:ln w="19050">
+            <a:solidFill>
+              <a:schemeClr val="accent2"/>
+            </a:solidFill>
+          </a:ln>
+        </p:spPr>
+        <p:style>
+          <a:lnRef idx="2">
+            <a:schemeClr val="accent1">
+              <a:shade val="50000"/>
+            </a:schemeClr>
+          </a:lnRef>
+          <a:fillRef idx="1">
+            <a:schemeClr val="accent1"/>
+          </a:fillRef>
+          <a:effectRef idx="0">
+            <a:schemeClr val="accent1"/>
+          </a:effectRef>
+          <a:fontRef idx="minor">
+            <a:schemeClr val="lt1"/>
+          </a:fontRef>
+        </p:style>
+        <p:txBody>
+          <a:bodyPr rtlCol="0" anchor="ctr"/>
+          <a:lstStyle/>
+          <a:p>
+            <a:pPr algn="ctr"/>
+            <a:endParaRPr lang="ko-KR" altLang="en-US"/>
+          </a:p>
+        </p:txBody>
+      </p:sp>
+      <p:sp>
+        <p:nvSpPr>
+          <p:cNvPr id="8" name="직사각형 7"/>
+          <p:cNvSpPr/>
+          <p:nvPr/>
+        </p:nvSpPr>
+        <p:spPr>
+          <a:xfrm>
+            <a:off x="268636" y="4576421"/>
+            <a:ext cx="2560828" cy="849594"/>
+          </a:xfrm>
+          <a:prstGeom prst="rect">
+            <a:avLst/>
+          </a:prstGeom>
+          <a:noFill/>
+          <a:ln w="19050">
+            <a:solidFill>
+              <a:schemeClr val="accent2"/>
+            </a:solidFill>
+          </a:ln>
+        </p:spPr>
+        <p:style>
+          <a:lnRef idx="2">
+            <a:schemeClr val="accent1">
+              <a:shade val="50000"/>
+            </a:schemeClr>
+          </a:lnRef>
+          <a:fillRef idx="1">
+            <a:schemeClr val="accent1"/>
+          </a:fillRef>
+          <a:effectRef idx="0">
+            <a:schemeClr val="accent1"/>
+          </a:effectRef>
+          <a:fontRef idx="minor">
+            <a:schemeClr val="lt1"/>
+          </a:fontRef>
+        </p:style>
+        <p:txBody>
+          <a:bodyPr rtlCol="0" anchor="ctr"/>
+          <a:lstStyle/>
+          <a:p>
+            <a:pPr algn="ctr"/>
+            <a:endParaRPr lang="ko-KR" altLang="en-US"/>
+          </a:p>
+        </p:txBody>
+      </p:sp>
+      <p:sp>
+        <p:nvSpPr>
+          <p:cNvPr id="9" name="TextBox 8"/>
+          <p:cNvSpPr txBox="1"/>
+          <p:nvPr/>
+        </p:nvSpPr>
+        <p:spPr>
+          <a:xfrm>
+            <a:off x="764875" y="337936"/>
+            <a:ext cx="8488393" cy="369332"/>
+          </a:xfrm>
+          <a:prstGeom prst="rect">
+            <a:avLst/>
+          </a:prstGeom>
+          <a:noFill/>
+        </p:spPr>
+        <p:txBody>
+          <a:bodyPr wrap="square" rtlCol="0">
+            <a:spAutoFit/>
+          </a:bodyPr>
+          <a:lstStyle/>
+          <a:p>
+            <a:r>
+              <a:rPr lang="en-US" altLang="ko-KR" dirty="0" smtClean="0"/>
+              <a:t>checkbox_report_07</a:t>
+            </a:r>
+            <a:r>
+              <a:rPr lang="en-US" altLang="ko-KR" dirty="0" smtClean="0">
+                <a:sym typeface="Wingdings" panose="05000000000000000000" pitchFamily="2" charset="2"/>
+              </a:rPr>
+              <a:t> </a:t>
+            </a:r>
+            <a:r>
+              <a:rPr lang="en-US" altLang="ko-KR" dirty="0" smtClean="0"/>
               <a:t>checkbox_report_st_07.png</a:t>
             </a:r>
-            <a:endParaRPr lang="en-US" altLang="ko-KR" dirty="0" smtClean="0"/>
           </a:p>
         </p:txBody>
       </p:sp>
@@ -3391,7 +4531,7 @@
 </p:sld>
 </file>
 
-<file path=ppt/slides/slide12.xml><?xml version="1.0" encoding="utf-8"?>
+<file path=ppt/slides/slide15.xml><?xml version="1.0" encoding="utf-8"?>
 <p:sld xmlns:a="http://schemas.openxmlformats.org/drawingml/2006/main" xmlns:r="http://schemas.openxmlformats.org/officeDocument/2006/relationships" xmlns:p="http://schemas.openxmlformats.org/presentationml/2006/main">
   <p:cSld>
     <p:spTree>
@@ -4064,7 +5204,7 @@
 </p:sld>
 </file>
 
-<file path=ppt/slides/slide13.xml><?xml version="1.0" encoding="utf-8"?>
+<file path=ppt/slides/slide16.xml><?xml version="1.0" encoding="utf-8"?>
 <p:sld xmlns:a="http://schemas.openxmlformats.org/drawingml/2006/main" xmlns:r="http://schemas.openxmlformats.org/officeDocument/2006/relationships" xmlns:p="http://schemas.openxmlformats.org/presentationml/2006/main">
   <p:cSld>
     <p:spTree>
@@ -4268,7 +5408,7 @@
 </p:sld>
 </file>
 
-<file path=ppt/slides/slide14.xml><?xml version="1.0" encoding="utf-8"?>
+<file path=ppt/slides/slide17.xml><?xml version="1.0" encoding="utf-8"?>
 <p:sld xmlns:a="http://schemas.openxmlformats.org/drawingml/2006/main" xmlns:r="http://schemas.openxmlformats.org/officeDocument/2006/relationships" xmlns:p="http://schemas.openxmlformats.org/presentationml/2006/main">
   <p:cSld>
     <p:spTree>
@@ -4461,7 +5601,7 @@
 </p:sld>
 </file>
 
-<file path=ppt/slides/slide15.xml><?xml version="1.0" encoding="utf-8"?>
+<file path=ppt/slides/slide18.xml><?xml version="1.0" encoding="utf-8"?>
 <p:sld xmlns:a="http://schemas.openxmlformats.org/drawingml/2006/main" xmlns:r="http://schemas.openxmlformats.org/officeDocument/2006/relationships" xmlns:p="http://schemas.openxmlformats.org/presentationml/2006/main">
   <p:cSld>
     <p:spTree>
@@ -5497,7 +6637,6 @@
               <a:rPr lang="en-US" altLang="ko-KR" dirty="0" smtClean="0"/>
               <a:t>combobox_report_st_01.png</a:t>
             </a:r>
-            <a:endParaRPr lang="en-US" altLang="ko-KR" dirty="0" smtClean="0"/>
           </a:p>
         </p:txBody>
       </p:sp>
@@ -6481,7 +7620,7 @@
       </p:grpSpPr>
       <p:pic>
         <p:nvPicPr>
-          <p:cNvPr id="2" name="그림 1"/>
+          <p:cNvPr id="10" name="그림 9"/>
           <p:cNvPicPr>
             <a:picLocks noChangeAspect="1"/>
           </p:cNvPicPr>
@@ -6489,13 +7628,13 @@
         </p:nvPicPr>
         <p:blipFill rotWithShape="1">
           <a:blip r:embed="rId2"/>
-          <a:srcRect t="12345"/>
+          <a:srcRect t="12687"/>
           <a:stretch/>
         </p:blipFill>
         <p:spPr>
           <a:xfrm>
-            <a:off x="0" y="966158"/>
-            <a:ext cx="12192000" cy="5733092"/>
+            <a:off x="0" y="992291"/>
+            <a:ext cx="12192000" cy="5710687"/>
           </a:xfrm>
           <a:prstGeom prst="rect">
             <a:avLst/>
@@ -6509,7 +7648,7 @@
       </p:pic>
       <p:sp>
         <p:nvSpPr>
-          <p:cNvPr id="7" name="TextBox 6"/>
+          <p:cNvPr id="4" name="TextBox 3"/>
           <p:cNvSpPr txBox="1"/>
           <p:nvPr/>
         </p:nvSpPr>
@@ -6531,7 +7670,7 @@
           <a:p>
             <a:r>
               <a:rPr lang="en-US" altLang="ko-KR" dirty="0" smtClean="0"/>
-              <a:t>checkbox_report_03</a:t>
+              <a:t>checkbox_report_02_1</a:t>
             </a:r>
             <a:r>
               <a:rPr lang="en-US" altLang="ko-KR" dirty="0" smtClean="0">
@@ -6541,7 +7680,7 @@
             </a:r>
             <a:r>
               <a:rPr lang="en-US" altLang="ko-KR" dirty="0" smtClean="0"/>
-              <a:t>combobox_report_st_03.png</a:t>
+              <a:t>checkbox_report_st_02_1.png</a:t>
             </a:r>
             <a:endParaRPr lang="en-US" altLang="ko-KR" dirty="0" smtClean="0"/>
           </a:p>
@@ -6549,14 +7688,16 @@
       </p:sp>
       <p:sp>
         <p:nvSpPr>
-          <p:cNvPr id="8" name="직사각형 7"/>
-          <p:cNvSpPr/>
-          <p:nvPr/>
-        </p:nvSpPr>
-        <p:spPr>
-          <a:xfrm>
-            <a:off x="10993726" y="1826784"/>
-            <a:ext cx="504000" cy="288000"/>
+          <p:cNvPr id="6" name="직사각형 5"/>
+          <p:cNvSpPr>
+            <a:spLocks/>
+          </p:cNvSpPr>
+          <p:nvPr/>
+        </p:nvSpPr>
+        <p:spPr>
+          <a:xfrm>
+            <a:off x="10741904" y="3709867"/>
+            <a:ext cx="800239" cy="275537"/>
           </a:xfrm>
           <a:prstGeom prst="rect">
             <a:avLst/>
@@ -6595,16 +7736,16 @@
       </p:sp>
       <p:sp>
         <p:nvSpPr>
-          <p:cNvPr id="10" name="직사각형 9"/>
-          <p:cNvSpPr>
-            <a:spLocks noChangeAspect="1"/>
-          </p:cNvSpPr>
-          <p:nvPr/>
-        </p:nvSpPr>
-        <p:spPr>
-          <a:xfrm>
-            <a:off x="10037473" y="3288553"/>
-            <a:ext cx="2124000" cy="283176"/>
+          <p:cNvPr id="8" name="직사각형 7"/>
+          <p:cNvSpPr>
+            <a:spLocks/>
+          </p:cNvSpPr>
+          <p:nvPr/>
+        </p:nvSpPr>
+        <p:spPr>
+          <a:xfrm>
+            <a:off x="2647451" y="2913361"/>
+            <a:ext cx="984269" cy="1434352"/>
           </a:xfrm>
           <a:prstGeom prst="rect">
             <a:avLst/>
@@ -6641,170 +7782,10 @@
           </a:p>
         </p:txBody>
       </p:sp>
-      <p:pic>
-        <p:nvPicPr>
-          <p:cNvPr id="11" name="그림 10" descr="/Users/Yongs/Downloads/DB 브라우저 그림파일/1.png"/>
-          <p:cNvPicPr>
-            <a:picLocks noChangeAspect="1"/>
-          </p:cNvPicPr>
-          <p:nvPr/>
-        </p:nvPicPr>
-        <p:blipFill rotWithShape="1">
-          <a:blip r:embed="rId3">
-            <a:extLst>
-              <a:ext uri="{28A0092B-C50C-407E-A947-70E740481C1C}">
-                <a14:useLocalDpi xmlns:a14="http://schemas.microsoft.com/office/drawing/2010/main" val="0"/>
-              </a:ext>
-            </a:extLst>
-          </a:blip>
-          <a:srcRect l="22981" t="21597" r="22981" b="35065"/>
-          <a:stretch/>
-        </p:blipFill>
-        <p:spPr bwMode="auto">
-          <a:xfrm>
-            <a:off x="11092726" y="1528287"/>
-            <a:ext cx="306000" cy="252000"/>
-          </a:xfrm>
-          <a:prstGeom prst="rect">
-            <a:avLst/>
-          </a:prstGeom>
-          <a:noFill/>
-          <a:ln>
-            <a:noFill/>
-          </a:ln>
-          <a:extLst>
-            <a:ext uri="{53640926-AAD7-44D8-BBD7-CCE9431645EC}">
-              <a14:shadowObscured xmlns:a14="http://schemas.microsoft.com/office/drawing/2010/main"/>
-            </a:ext>
-          </a:extLst>
-        </p:spPr>
-      </p:pic>
-      <p:pic>
-        <p:nvPicPr>
-          <p:cNvPr id="12" name="그림 11" descr="/Users/Yongs/Downloads/DB 브라우저 그림파일/2.png"/>
-          <p:cNvPicPr>
-            <a:picLocks noChangeAspect="1"/>
-          </p:cNvPicPr>
-          <p:nvPr/>
-        </p:nvPicPr>
-        <p:blipFill rotWithShape="1">
-          <a:blip r:embed="rId4">
-            <a:extLst>
-              <a:ext uri="{28A0092B-C50C-407E-A947-70E740481C1C}">
-                <a14:useLocalDpi xmlns:a14="http://schemas.microsoft.com/office/drawing/2010/main" val="0"/>
-              </a:ext>
-            </a:extLst>
-          </a:blip>
-          <a:srcRect l="23487" t="21694" r="23487" b="34739"/>
-          <a:stretch/>
-        </p:blipFill>
-        <p:spPr bwMode="auto">
-          <a:xfrm>
-            <a:off x="9663225" y="3304141"/>
-            <a:ext cx="306000" cy="252000"/>
-          </a:xfrm>
-          <a:prstGeom prst="rect">
-            <a:avLst/>
-          </a:prstGeom>
-          <a:noFill/>
-          <a:ln>
-            <a:noFill/>
-          </a:ln>
-          <a:extLst>
-            <a:ext uri="{53640926-AAD7-44D8-BBD7-CCE9431645EC}">
-              <a14:shadowObscured xmlns:a14="http://schemas.microsoft.com/office/drawing/2010/main"/>
-            </a:ext>
-          </a:extLst>
-        </p:spPr>
-      </p:pic>
-      <p:sp>
-        <p:nvSpPr>
-          <p:cNvPr id="18" name="직사각형 17"/>
-          <p:cNvSpPr/>
-          <p:nvPr/>
-        </p:nvSpPr>
-        <p:spPr>
-          <a:xfrm>
-            <a:off x="9579233" y="1277000"/>
-            <a:ext cx="360000" cy="252000"/>
-          </a:xfrm>
-          <a:prstGeom prst="rect">
-            <a:avLst/>
-          </a:prstGeom>
-          <a:noFill/>
-          <a:ln w="19050">
-            <a:solidFill>
-              <a:schemeClr val="accent2"/>
-            </a:solidFill>
-          </a:ln>
-        </p:spPr>
-        <p:style>
-          <a:lnRef idx="2">
-            <a:schemeClr val="accent1">
-              <a:shade val="50000"/>
-            </a:schemeClr>
-          </a:lnRef>
-          <a:fillRef idx="1">
-            <a:schemeClr val="accent1"/>
-          </a:fillRef>
-          <a:effectRef idx="0">
-            <a:schemeClr val="accent1"/>
-          </a:effectRef>
-          <a:fontRef idx="minor">
-            <a:schemeClr val="lt1"/>
-          </a:fontRef>
-        </p:style>
-        <p:txBody>
-          <a:bodyPr rtlCol="0" anchor="ctr"/>
-          <a:lstStyle/>
-          <a:p>
-            <a:pPr algn="ctr"/>
-            <a:endParaRPr lang="ko-KR" altLang="en-US"/>
-          </a:p>
-        </p:txBody>
-      </p:sp>
-      <p:pic>
-        <p:nvPicPr>
-          <p:cNvPr id="15" name="그림 14" descr="/Users/Yongs/Downloads/DB 브라우저 그림파일/3.png"/>
-          <p:cNvPicPr>
-            <a:picLocks noChangeAspect="1"/>
-          </p:cNvPicPr>
-          <p:nvPr/>
-        </p:nvPicPr>
-        <p:blipFill rotWithShape="1">
-          <a:blip r:embed="rId5">
-            <a:extLst>
-              <a:ext uri="{28A0092B-C50C-407E-A947-70E740481C1C}">
-                <a14:useLocalDpi xmlns:a14="http://schemas.microsoft.com/office/drawing/2010/main" val="0"/>
-              </a:ext>
-            </a:extLst>
-          </a:blip>
-          <a:srcRect l="22941" t="21673" r="22941" b="34717"/>
-          <a:stretch/>
-        </p:blipFill>
-        <p:spPr bwMode="auto">
-          <a:xfrm>
-            <a:off x="9605485" y="999892"/>
-            <a:ext cx="306000" cy="252000"/>
-          </a:xfrm>
-          <a:prstGeom prst="rect">
-            <a:avLst/>
-          </a:prstGeom>
-          <a:noFill/>
-          <a:ln>
-            <a:noFill/>
-          </a:ln>
-          <a:extLst>
-            <a:ext uri="{53640926-AAD7-44D8-BBD7-CCE9431645EC}">
-              <a14:shadowObscured xmlns:a14="http://schemas.microsoft.com/office/drawing/2010/main"/>
-            </a:ext>
-          </a:extLst>
-        </p:spPr>
-      </p:pic>
     </p:spTree>
     <p:extLst>
       <p:ext uri="{BB962C8B-B14F-4D97-AF65-F5344CB8AC3E}">
-        <p14:creationId xmlns:p14="http://schemas.microsoft.com/office/powerpoint/2010/main" val="3623076471"/>
+        <p14:creationId xmlns:p14="http://schemas.microsoft.com/office/powerpoint/2010/main" val="366649288"/>
       </p:ext>
     </p:extLst>
   </p:cSld>
@@ -6833,7 +7814,7 @@
       </p:grpSpPr>
       <p:pic>
         <p:nvPicPr>
-          <p:cNvPr id="6" name="그림 5"/>
+          <p:cNvPr id="10" name="그림 9"/>
           <p:cNvPicPr>
             <a:picLocks noChangeAspect="1"/>
           </p:cNvPicPr>
@@ -6846,8 +7827,8 @@
         </p:blipFill>
         <p:spPr>
           <a:xfrm>
-            <a:off x="8626" y="1124908"/>
-            <a:ext cx="12192000" cy="5733092"/>
+            <a:off x="0" y="1124909"/>
+            <a:ext cx="12192000" cy="5733091"/>
           </a:xfrm>
           <a:prstGeom prst="rect">
             <a:avLst/>
@@ -6861,130 +7842,16 @@
       </p:pic>
       <p:sp>
         <p:nvSpPr>
-          <p:cNvPr id="7" name="TextBox 6"/>
-          <p:cNvSpPr txBox="1"/>
-          <p:nvPr/>
-        </p:nvSpPr>
-        <p:spPr>
-          <a:xfrm>
-            <a:off x="914399" y="507743"/>
-            <a:ext cx="8488393" cy="369332"/>
-          </a:xfrm>
-          <a:prstGeom prst="rect">
-            <a:avLst/>
-          </a:prstGeom>
-          <a:noFill/>
-        </p:spPr>
-        <p:txBody>
-          <a:bodyPr wrap="square" rtlCol="0">
-            <a:spAutoFit/>
-          </a:bodyPr>
-          <a:lstStyle/>
-          <a:p>
-            <a:r>
-              <a:rPr lang="en-US" altLang="ko-KR" dirty="0" smtClean="0"/>
-              <a:t>checkbox_report_04 </a:t>
-            </a:r>
-            <a:r>
-              <a:rPr lang="en-US" altLang="ko-KR" dirty="0" smtClean="0">
-                <a:sym typeface="Wingdings" panose="05000000000000000000" pitchFamily="2" charset="2"/>
-              </a:rPr>
-              <a:t> </a:t>
-            </a:r>
-            <a:r>
-              <a:rPr lang="en-US" altLang="ko-KR" dirty="0"/>
-              <a:t>checkbox_report_st_04.png</a:t>
-            </a:r>
-            <a:endParaRPr lang="en-US" altLang="ko-KR" dirty="0" smtClean="0"/>
-          </a:p>
-        </p:txBody>
-      </p:sp>
-      <p:pic>
-        <p:nvPicPr>
-          <p:cNvPr id="11" name="그림 10" descr="/Users/Yongs/Downloads/DB 브라우저 그림파일/1.png"/>
-          <p:cNvPicPr>
-            <a:picLocks noChangeAspect="1"/>
-          </p:cNvPicPr>
-          <p:nvPr/>
-        </p:nvPicPr>
-        <p:blipFill rotWithShape="1">
-          <a:blip r:embed="rId3">
-            <a:extLst>
-              <a:ext uri="{28A0092B-C50C-407E-A947-70E740481C1C}">
-                <a14:useLocalDpi xmlns:a14="http://schemas.microsoft.com/office/drawing/2010/main" val="0"/>
-              </a:ext>
-            </a:extLst>
-          </a:blip>
-          <a:srcRect l="22981" t="21597" r="22981" b="35065"/>
-          <a:stretch/>
-        </p:blipFill>
-        <p:spPr bwMode="auto">
-          <a:xfrm>
-            <a:off x="303586" y="2041690"/>
-            <a:ext cx="308650" cy="252000"/>
-          </a:xfrm>
-          <a:prstGeom prst="rect">
-            <a:avLst/>
-          </a:prstGeom>
-          <a:noFill/>
-          <a:ln>
-            <a:noFill/>
-          </a:ln>
-          <a:extLst>
-            <a:ext uri="{53640926-AAD7-44D8-BBD7-CCE9431645EC}">
-              <a14:shadowObscured xmlns:a14="http://schemas.microsoft.com/office/drawing/2010/main"/>
-            </a:ext>
-          </a:extLst>
-        </p:spPr>
-      </p:pic>
-      <p:pic>
-        <p:nvPicPr>
-          <p:cNvPr id="12" name="그림 11" descr="/Users/Yongs/Downloads/DB 브라우저 그림파일/2.png"/>
-          <p:cNvPicPr>
-            <a:picLocks noChangeAspect="1"/>
-          </p:cNvPicPr>
-          <p:nvPr/>
-        </p:nvPicPr>
-        <p:blipFill rotWithShape="1">
-          <a:blip r:embed="rId4">
-            <a:extLst>
-              <a:ext uri="{28A0092B-C50C-407E-A947-70E740481C1C}">
-                <a14:useLocalDpi xmlns:a14="http://schemas.microsoft.com/office/drawing/2010/main" val="0"/>
-              </a:ext>
-            </a:extLst>
-          </a:blip>
-          <a:srcRect l="23487" t="21694" r="23487" b="34739"/>
-          <a:stretch/>
-        </p:blipFill>
-        <p:spPr bwMode="auto">
-          <a:xfrm>
-            <a:off x="9689189" y="4458022"/>
-            <a:ext cx="306000" cy="252000"/>
-          </a:xfrm>
-          <a:prstGeom prst="rect">
-            <a:avLst/>
-          </a:prstGeom>
-          <a:noFill/>
-          <a:ln>
-            <a:noFill/>
-          </a:ln>
-          <a:extLst>
-            <a:ext uri="{53640926-AAD7-44D8-BBD7-CCE9431645EC}">
-              <a14:shadowObscured xmlns:a14="http://schemas.microsoft.com/office/drawing/2010/main"/>
-            </a:ext>
-          </a:extLst>
-        </p:spPr>
-      </p:pic>
-      <p:sp>
-        <p:nvSpPr>
-          <p:cNvPr id="14" name="직사각형 13"/>
-          <p:cNvSpPr/>
-          <p:nvPr/>
-        </p:nvSpPr>
-        <p:spPr>
-          <a:xfrm>
-            <a:off x="303586" y="2345446"/>
-            <a:ext cx="9245856" cy="2330072"/>
+          <p:cNvPr id="6" name="직사각형 5"/>
+          <p:cNvSpPr>
+            <a:spLocks/>
+          </p:cNvSpPr>
+          <p:nvPr/>
+        </p:nvSpPr>
+        <p:spPr>
+          <a:xfrm>
+            <a:off x="9956897" y="3856514"/>
+            <a:ext cx="800239" cy="275537"/>
           </a:xfrm>
           <a:prstGeom prst="rect">
             <a:avLst/>
@@ -7023,14 +7890,56 @@
       </p:sp>
       <p:sp>
         <p:nvSpPr>
-          <p:cNvPr id="17" name="직사각형 16"/>
-          <p:cNvSpPr/>
-          <p:nvPr/>
-        </p:nvSpPr>
-        <p:spPr>
-          <a:xfrm>
-            <a:off x="10048814" y="6498992"/>
-            <a:ext cx="2124000" cy="324000"/>
+          <p:cNvPr id="7" name="TextBox 6"/>
+          <p:cNvSpPr txBox="1"/>
+          <p:nvPr/>
+        </p:nvSpPr>
+        <p:spPr>
+          <a:xfrm>
+            <a:off x="914399" y="507743"/>
+            <a:ext cx="8488393" cy="369332"/>
+          </a:xfrm>
+          <a:prstGeom prst="rect">
+            <a:avLst/>
+          </a:prstGeom>
+          <a:noFill/>
+        </p:spPr>
+        <p:txBody>
+          <a:bodyPr wrap="square" rtlCol="0">
+            <a:spAutoFit/>
+          </a:bodyPr>
+          <a:lstStyle/>
+          <a:p>
+            <a:r>
+              <a:rPr lang="en-US" altLang="ko-KR" dirty="0" smtClean="0"/>
+              <a:t>checkbox_report_02_2</a:t>
+            </a:r>
+            <a:r>
+              <a:rPr lang="en-US" altLang="ko-KR" dirty="0" smtClean="0">
+                <a:sym typeface="Wingdings" panose="05000000000000000000" pitchFamily="2" charset="2"/>
+              </a:rPr>
+              <a:t> </a:t>
+            </a:r>
+            <a:r>
+              <a:rPr lang="en-US" altLang="ko-KR" dirty="0" smtClean="0"/>
+              <a:t>checkbox_report_st_02_2.png</a:t>
+            </a:r>
+            <a:endParaRPr lang="en-US" altLang="ko-KR" dirty="0" smtClean="0"/>
+          </a:p>
+        </p:txBody>
+      </p:sp>
+      <p:sp>
+        <p:nvSpPr>
+          <p:cNvPr id="8" name="직사각형 7"/>
+          <p:cNvSpPr>
+            <a:spLocks/>
+          </p:cNvSpPr>
+          <p:nvPr/>
+        </p:nvSpPr>
+        <p:spPr>
+          <a:xfrm>
+            <a:off x="2681959" y="3143651"/>
+            <a:ext cx="1450094" cy="1425725"/>
           </a:xfrm>
           <a:prstGeom prst="rect">
             <a:avLst/>
@@ -7067,389 +7976,10 @@
           </a:p>
         </p:txBody>
       </p:sp>
-      <p:sp>
-        <p:nvSpPr>
-          <p:cNvPr id="20" name="직사각형 19"/>
-          <p:cNvSpPr/>
-          <p:nvPr/>
-        </p:nvSpPr>
-        <p:spPr>
-          <a:xfrm>
-            <a:off x="10049942" y="4458022"/>
-            <a:ext cx="1966656" cy="545300"/>
-          </a:xfrm>
-          <a:prstGeom prst="rect">
-            <a:avLst/>
-          </a:prstGeom>
-          <a:noFill/>
-          <a:ln w="19050">
-            <a:solidFill>
-              <a:schemeClr val="accent2"/>
-            </a:solidFill>
-          </a:ln>
-        </p:spPr>
-        <p:style>
-          <a:lnRef idx="2">
-            <a:schemeClr val="accent1">
-              <a:shade val="50000"/>
-            </a:schemeClr>
-          </a:lnRef>
-          <a:fillRef idx="1">
-            <a:schemeClr val="accent1"/>
-          </a:fillRef>
-          <a:effectRef idx="0">
-            <a:schemeClr val="accent1"/>
-          </a:effectRef>
-          <a:fontRef idx="minor">
-            <a:schemeClr val="lt1"/>
-          </a:fontRef>
-        </p:style>
-        <p:txBody>
-          <a:bodyPr rtlCol="0" anchor="ctr"/>
-          <a:lstStyle/>
-          <a:p>
-            <a:pPr algn="ctr"/>
-            <a:endParaRPr lang="ko-KR" altLang="en-US"/>
-          </a:p>
-        </p:txBody>
-      </p:sp>
-      <p:sp>
-        <p:nvSpPr>
-          <p:cNvPr id="21" name="직사각형 20"/>
-          <p:cNvSpPr/>
-          <p:nvPr/>
-        </p:nvSpPr>
-        <p:spPr>
-          <a:xfrm>
-            <a:off x="10022935" y="1966822"/>
-            <a:ext cx="535797" cy="326867"/>
-          </a:xfrm>
-          <a:prstGeom prst="rect">
-            <a:avLst/>
-          </a:prstGeom>
-          <a:noFill/>
-          <a:ln w="19050">
-            <a:solidFill>
-              <a:schemeClr val="accent2"/>
-            </a:solidFill>
-          </a:ln>
-        </p:spPr>
-        <p:style>
-          <a:lnRef idx="2">
-            <a:schemeClr val="accent1">
-              <a:shade val="50000"/>
-            </a:schemeClr>
-          </a:lnRef>
-          <a:fillRef idx="1">
-            <a:schemeClr val="accent1"/>
-          </a:fillRef>
-          <a:effectRef idx="0">
-            <a:schemeClr val="accent1"/>
-          </a:effectRef>
-          <a:fontRef idx="minor">
-            <a:schemeClr val="lt1"/>
-          </a:fontRef>
-        </p:style>
-        <p:txBody>
-          <a:bodyPr rtlCol="0" anchor="ctr"/>
-          <a:lstStyle/>
-          <a:p>
-            <a:pPr algn="ctr"/>
-            <a:endParaRPr lang="ko-KR" altLang="en-US"/>
-          </a:p>
-        </p:txBody>
-      </p:sp>
-      <p:pic>
-        <p:nvPicPr>
-          <p:cNvPr id="22" name="그림 21" descr="/Users/Yongs/Downloads/DB 브라우저 그림파일/3.png"/>
-          <p:cNvPicPr>
-            <a:picLocks noChangeAspect="1"/>
-          </p:cNvPicPr>
-          <p:nvPr/>
-        </p:nvPicPr>
-        <p:blipFill rotWithShape="1">
-          <a:blip r:embed="rId5">
-            <a:extLst>
-              <a:ext uri="{28A0092B-C50C-407E-A947-70E740481C1C}">
-                <a14:useLocalDpi xmlns:a14="http://schemas.microsoft.com/office/drawing/2010/main" val="0"/>
-              </a:ext>
-            </a:extLst>
-          </a:blip>
-          <a:srcRect l="22941" t="21673" r="22941" b="34717"/>
-          <a:stretch/>
-        </p:blipFill>
-        <p:spPr bwMode="auto">
-          <a:xfrm>
-            <a:off x="9689189" y="5585474"/>
-            <a:ext cx="306000" cy="252000"/>
-          </a:xfrm>
-          <a:prstGeom prst="rect">
-            <a:avLst/>
-          </a:prstGeom>
-          <a:noFill/>
-          <a:ln>
-            <a:noFill/>
-          </a:ln>
-          <a:extLst>
-            <a:ext uri="{53640926-AAD7-44D8-BBD7-CCE9431645EC}">
-              <a14:shadowObscured xmlns:a14="http://schemas.microsoft.com/office/drawing/2010/main"/>
-            </a:ext>
-          </a:extLst>
-        </p:spPr>
-      </p:pic>
-      <p:sp>
-        <p:nvSpPr>
-          <p:cNvPr id="23" name="직사각형 22"/>
-          <p:cNvSpPr/>
-          <p:nvPr/>
-        </p:nvSpPr>
-        <p:spPr>
-          <a:xfrm>
-            <a:off x="10067194" y="5633048"/>
-            <a:ext cx="664066" cy="204426"/>
-          </a:xfrm>
-          <a:prstGeom prst="rect">
-            <a:avLst/>
-          </a:prstGeom>
-          <a:noFill/>
-          <a:ln w="19050">
-            <a:solidFill>
-              <a:schemeClr val="accent2"/>
-            </a:solidFill>
-          </a:ln>
-        </p:spPr>
-        <p:style>
-          <a:lnRef idx="2">
-            <a:schemeClr val="accent1">
-              <a:shade val="50000"/>
-            </a:schemeClr>
-          </a:lnRef>
-          <a:fillRef idx="1">
-            <a:schemeClr val="accent1"/>
-          </a:fillRef>
-          <a:effectRef idx="0">
-            <a:schemeClr val="accent1"/>
-          </a:effectRef>
-          <a:fontRef idx="minor">
-            <a:schemeClr val="lt1"/>
-          </a:fontRef>
-        </p:style>
-        <p:txBody>
-          <a:bodyPr rtlCol="0" anchor="ctr"/>
-          <a:lstStyle/>
-          <a:p>
-            <a:pPr algn="ctr"/>
-            <a:endParaRPr lang="ko-KR" altLang="en-US"/>
-          </a:p>
-        </p:txBody>
-      </p:sp>
-      <p:pic>
-        <p:nvPicPr>
-          <p:cNvPr id="24" name="그림 23" descr="/Users/Yongs/Downloads/DB 브라우저 그림파일/4.png"/>
-          <p:cNvPicPr>
-            <a:picLocks noChangeAspect="1"/>
-          </p:cNvPicPr>
-          <p:nvPr/>
-        </p:nvPicPr>
-        <p:blipFill rotWithShape="1">
-          <a:blip r:embed="rId6">
-            <a:extLst>
-              <a:ext uri="{28A0092B-C50C-407E-A947-70E740481C1C}">
-                <a14:useLocalDpi xmlns:a14="http://schemas.microsoft.com/office/drawing/2010/main" val="0"/>
-              </a:ext>
-            </a:extLst>
-          </a:blip>
-          <a:srcRect l="22941" t="21673" r="22941" b="34717"/>
-          <a:stretch/>
-        </p:blipFill>
-        <p:spPr bwMode="auto">
-          <a:xfrm>
-            <a:off x="457911" y="4785826"/>
-            <a:ext cx="306000" cy="252000"/>
-          </a:xfrm>
-          <a:prstGeom prst="rect">
-            <a:avLst/>
-          </a:prstGeom>
-          <a:noFill/>
-          <a:ln>
-            <a:noFill/>
-          </a:ln>
-          <a:extLst>
-            <a:ext uri="{53640926-AAD7-44D8-BBD7-CCE9431645EC}">
-              <a14:shadowObscured xmlns:a14="http://schemas.microsoft.com/office/drawing/2010/main"/>
-            </a:ext>
-          </a:extLst>
-        </p:spPr>
-      </p:pic>
-      <p:sp>
-        <p:nvSpPr>
-          <p:cNvPr id="25" name="직사각형 24"/>
-          <p:cNvSpPr/>
-          <p:nvPr/>
-        </p:nvSpPr>
-        <p:spPr>
-          <a:xfrm>
-            <a:off x="406154" y="5058956"/>
-            <a:ext cx="2828751" cy="1005414"/>
-          </a:xfrm>
-          <a:prstGeom prst="rect">
-            <a:avLst/>
-          </a:prstGeom>
-          <a:noFill/>
-          <a:ln w="19050">
-            <a:solidFill>
-              <a:schemeClr val="accent2"/>
-            </a:solidFill>
-          </a:ln>
-        </p:spPr>
-        <p:style>
-          <a:lnRef idx="2">
-            <a:schemeClr val="accent1">
-              <a:shade val="50000"/>
-            </a:schemeClr>
-          </a:lnRef>
-          <a:fillRef idx="1">
-            <a:schemeClr val="accent1"/>
-          </a:fillRef>
-          <a:effectRef idx="0">
-            <a:schemeClr val="accent1"/>
-          </a:effectRef>
-          <a:fontRef idx="minor">
-            <a:schemeClr val="lt1"/>
-          </a:fontRef>
-        </p:style>
-        <p:txBody>
-          <a:bodyPr rtlCol="0" anchor="ctr"/>
-          <a:lstStyle/>
-          <a:p>
-            <a:pPr algn="ctr"/>
-            <a:endParaRPr lang="ko-KR" altLang="en-US"/>
-          </a:p>
-        </p:txBody>
-      </p:sp>
-      <p:pic>
-        <p:nvPicPr>
-          <p:cNvPr id="27" name="그림 26"/>
-          <p:cNvPicPr>
-            <a:picLocks noChangeAspect="1"/>
-          </p:cNvPicPr>
-          <p:nvPr/>
-        </p:nvPicPr>
-        <p:blipFill rotWithShape="1">
-          <a:blip r:embed="rId7">
-            <a:extLst>
-              <a:ext uri="{28A0092B-C50C-407E-A947-70E740481C1C}">
-                <a14:useLocalDpi xmlns:a14="http://schemas.microsoft.com/office/drawing/2010/main" val="0"/>
-              </a:ext>
-            </a:extLst>
-          </a:blip>
-          <a:srcRect l="22766" t="21738" r="22766" b="34782"/>
-          <a:stretch/>
-        </p:blipFill>
-        <p:spPr bwMode="auto">
-          <a:xfrm>
-            <a:off x="9689189" y="6517740"/>
-            <a:ext cx="306000" cy="252000"/>
-          </a:xfrm>
-          <a:prstGeom prst="rect">
-            <a:avLst/>
-          </a:prstGeom>
-          <a:ln>
-            <a:noFill/>
-          </a:ln>
-          <a:extLst>
-            <a:ext uri="{53640926-AAD7-44D8-BBD7-CCE9431645EC}">
-              <a14:shadowObscured xmlns:a14="http://schemas.microsoft.com/office/drawing/2010/main"/>
-            </a:ext>
-          </a:extLst>
-        </p:spPr>
-      </p:pic>
-      <p:pic>
-        <p:nvPicPr>
-          <p:cNvPr id="29" name="그림 28" descr="/Users/Yongs/Downloads/DB 브라우저 그림파일/6.png"/>
-          <p:cNvPicPr/>
-          <p:nvPr/>
-        </p:nvPicPr>
-        <p:blipFill rotWithShape="1">
-          <a:blip r:embed="rId8">
-            <a:extLst>
-              <a:ext uri="{28A0092B-C50C-407E-A947-70E740481C1C}">
-                <a14:useLocalDpi xmlns:a14="http://schemas.microsoft.com/office/drawing/2010/main" val="0"/>
-              </a:ext>
-            </a:extLst>
-          </a:blip>
-          <a:srcRect l="22940" t="21673" r="22940" b="34717"/>
-          <a:stretch/>
-        </p:blipFill>
-        <p:spPr bwMode="auto">
-          <a:xfrm>
-            <a:off x="9615625" y="1169216"/>
-            <a:ext cx="272904" cy="224744"/>
-          </a:xfrm>
-          <a:prstGeom prst="rect">
-            <a:avLst/>
-          </a:prstGeom>
-          <a:noFill/>
-          <a:ln>
-            <a:noFill/>
-          </a:ln>
-          <a:extLst>
-            <a:ext uri="{53640926-AAD7-44D8-BBD7-CCE9431645EC}">
-              <a14:shadowObscured xmlns:a14="http://schemas.microsoft.com/office/drawing/2010/main"/>
-            </a:ext>
-          </a:extLst>
-        </p:spPr>
-      </p:pic>
-      <p:sp>
-        <p:nvSpPr>
-          <p:cNvPr id="30" name="직사각형 29"/>
-          <p:cNvSpPr/>
-          <p:nvPr/>
-        </p:nvSpPr>
-        <p:spPr>
-          <a:xfrm>
-            <a:off x="9582916" y="1421016"/>
-            <a:ext cx="360000" cy="252000"/>
-          </a:xfrm>
-          <a:prstGeom prst="rect">
-            <a:avLst/>
-          </a:prstGeom>
-          <a:noFill/>
-          <a:ln w="19050">
-            <a:solidFill>
-              <a:schemeClr val="accent2"/>
-            </a:solidFill>
-          </a:ln>
-        </p:spPr>
-        <p:style>
-          <a:lnRef idx="2">
-            <a:schemeClr val="accent1">
-              <a:shade val="50000"/>
-            </a:schemeClr>
-          </a:lnRef>
-          <a:fillRef idx="1">
-            <a:schemeClr val="accent1"/>
-          </a:fillRef>
-          <a:effectRef idx="0">
-            <a:schemeClr val="accent1"/>
-          </a:effectRef>
-          <a:fontRef idx="minor">
-            <a:schemeClr val="lt1"/>
-          </a:fontRef>
-        </p:style>
-        <p:txBody>
-          <a:bodyPr rtlCol="0" anchor="ctr"/>
-          <a:lstStyle/>
-          <a:p>
-            <a:pPr algn="ctr"/>
-            <a:endParaRPr lang="ko-KR" altLang="en-US"/>
-          </a:p>
-        </p:txBody>
-      </p:sp>
     </p:spTree>
     <p:extLst>
       <p:ext uri="{BB962C8B-B14F-4D97-AF65-F5344CB8AC3E}">
-        <p14:creationId xmlns:p14="http://schemas.microsoft.com/office/powerpoint/2010/main" val="955759478"/>
+        <p14:creationId xmlns:p14="http://schemas.microsoft.com/office/powerpoint/2010/main" val="623164316"/>
       </p:ext>
     </p:extLst>
   </p:cSld>
@@ -7478,7 +8008,7 @@
       </p:grpSpPr>
       <p:pic>
         <p:nvPicPr>
-          <p:cNvPr id="7" name="그림 6"/>
+          <p:cNvPr id="14" name="그림 13"/>
           <p:cNvPicPr>
             <a:picLocks noChangeAspect="1"/>
           </p:cNvPicPr>
@@ -7486,13 +8016,13 @@
         </p:nvPicPr>
         <p:blipFill rotWithShape="1">
           <a:blip r:embed="rId2"/>
-          <a:srcRect t="12081" r="28679" b="16697"/>
+          <a:srcRect t="12081"/>
           <a:stretch/>
         </p:blipFill>
         <p:spPr>
           <a:xfrm>
-            <a:off x="379564" y="1349123"/>
-            <a:ext cx="8695426" cy="4658264"/>
+            <a:off x="63058" y="1043795"/>
+            <a:ext cx="12192000" cy="5750344"/>
           </a:xfrm>
           <a:prstGeom prst="rect">
             <a:avLst/>
@@ -7506,14 +8036,54 @@
       </p:pic>
       <p:sp>
         <p:nvSpPr>
-          <p:cNvPr id="5" name="직사각형 4"/>
+          <p:cNvPr id="7" name="TextBox 6"/>
+          <p:cNvSpPr txBox="1"/>
+          <p:nvPr/>
+        </p:nvSpPr>
+        <p:spPr>
+          <a:xfrm>
+            <a:off x="914399" y="507743"/>
+            <a:ext cx="8488393" cy="369332"/>
+          </a:xfrm>
+          <a:prstGeom prst="rect">
+            <a:avLst/>
+          </a:prstGeom>
+          <a:noFill/>
+        </p:spPr>
+        <p:txBody>
+          <a:bodyPr wrap="square" rtlCol="0">
+            <a:spAutoFit/>
+          </a:bodyPr>
+          <a:lstStyle/>
+          <a:p>
+            <a:r>
+              <a:rPr lang="en-US" altLang="ko-KR" dirty="0" smtClean="0"/>
+              <a:t>checkbox_report_02_3</a:t>
+            </a:r>
+            <a:r>
+              <a:rPr lang="en-US" altLang="ko-KR" dirty="0" smtClean="0">
+                <a:sym typeface="Wingdings" panose="05000000000000000000" pitchFamily="2" charset="2"/>
+              </a:rPr>
+              <a:t> </a:t>
+            </a:r>
+            <a:r>
+              <a:rPr lang="en-US" altLang="ko-KR" dirty="0" smtClean="0"/>
+              <a:t>checkbox_report_st_02_3.png</a:t>
+            </a:r>
+            <a:endParaRPr lang="en-US" altLang="ko-KR" dirty="0" smtClean="0"/>
+          </a:p>
+        </p:txBody>
+      </p:sp>
+      <p:sp>
+        <p:nvSpPr>
+          <p:cNvPr id="8" name="직사각형 7"/>
           <p:cNvSpPr/>
           <p:nvPr/>
         </p:nvSpPr>
         <p:spPr>
           <a:xfrm>
-            <a:off x="7472014" y="3622902"/>
-            <a:ext cx="296686" cy="179714"/>
+            <a:off x="10579658" y="1928028"/>
+            <a:ext cx="504000" cy="288000"/>
           </a:xfrm>
           <a:prstGeom prst="rect">
             <a:avLst/>
@@ -7552,48 +8122,435 @@
       </p:sp>
       <p:sp>
         <p:nvSpPr>
-          <p:cNvPr id="6" name="TextBox 5"/>
-          <p:cNvSpPr txBox="1"/>
-          <p:nvPr/>
-        </p:nvSpPr>
-        <p:spPr>
-          <a:xfrm>
-            <a:off x="914399" y="507743"/>
-            <a:ext cx="8488393" cy="369332"/>
+          <p:cNvPr id="9" name="직사각형 8"/>
+          <p:cNvSpPr>
+            <a:spLocks/>
+          </p:cNvSpPr>
+          <p:nvPr/>
+        </p:nvSpPr>
+        <p:spPr>
+          <a:xfrm>
+            <a:off x="10905806" y="3248029"/>
+            <a:ext cx="1332000" cy="262923"/>
           </a:xfrm>
           <a:prstGeom prst="rect">
             <a:avLst/>
           </a:prstGeom>
           <a:noFill/>
-        </p:spPr>
-        <p:txBody>
-          <a:bodyPr wrap="square" rtlCol="0">
-            <a:spAutoFit/>
-          </a:bodyPr>
-          <a:lstStyle/>
-          <a:p>
-            <a:r>
-              <a:rPr lang="en-US" altLang="ko-KR" dirty="0" smtClean="0"/>
-              <a:t>checkbox_report_05</a:t>
-            </a:r>
-            <a:r>
-              <a:rPr lang="en-US" altLang="ko-KR" dirty="0" smtClean="0">
-                <a:sym typeface="Wingdings" panose="05000000000000000000" pitchFamily="2" charset="2"/>
-              </a:rPr>
-              <a:t> </a:t>
-            </a:r>
-            <a:r>
-              <a:rPr lang="en-US" altLang="ko-KR" dirty="0" smtClean="0"/>
-              <a:t>checkbox_report_st_05.png</a:t>
-            </a:r>
-            <a:endParaRPr lang="en-US" altLang="ko-KR" dirty="0" smtClean="0"/>
+          <a:ln w="19050">
+            <a:solidFill>
+              <a:schemeClr val="accent2"/>
+            </a:solidFill>
+          </a:ln>
+        </p:spPr>
+        <p:style>
+          <a:lnRef idx="2">
+            <a:schemeClr val="accent1">
+              <a:shade val="50000"/>
+            </a:schemeClr>
+          </a:lnRef>
+          <a:fillRef idx="1">
+            <a:schemeClr val="accent1"/>
+          </a:fillRef>
+          <a:effectRef idx="0">
+            <a:schemeClr val="accent1"/>
+          </a:effectRef>
+          <a:fontRef idx="minor">
+            <a:schemeClr val="lt1"/>
+          </a:fontRef>
+        </p:style>
+        <p:txBody>
+          <a:bodyPr rtlCol="0" anchor="ctr"/>
+          <a:lstStyle/>
+          <a:p>
+            <a:pPr algn="ctr"/>
+            <a:endParaRPr lang="ko-KR" altLang="en-US"/>
+          </a:p>
+        </p:txBody>
+      </p:sp>
+      <p:sp>
+        <p:nvSpPr>
+          <p:cNvPr id="10" name="직사각형 9"/>
+          <p:cNvSpPr>
+            <a:spLocks noChangeAspect="1"/>
+          </p:cNvSpPr>
+          <p:nvPr/>
+        </p:nvSpPr>
+        <p:spPr>
+          <a:xfrm>
+            <a:off x="10103386" y="4391688"/>
+            <a:ext cx="2124000" cy="283176"/>
+          </a:xfrm>
+          <a:prstGeom prst="rect">
+            <a:avLst/>
+          </a:prstGeom>
+          <a:noFill/>
+          <a:ln w="19050">
+            <a:solidFill>
+              <a:schemeClr val="accent2"/>
+            </a:solidFill>
+          </a:ln>
+        </p:spPr>
+        <p:style>
+          <a:lnRef idx="2">
+            <a:schemeClr val="accent1">
+              <a:shade val="50000"/>
+            </a:schemeClr>
+          </a:lnRef>
+          <a:fillRef idx="1">
+            <a:schemeClr val="accent1"/>
+          </a:fillRef>
+          <a:effectRef idx="0">
+            <a:schemeClr val="accent1"/>
+          </a:effectRef>
+          <a:fontRef idx="minor">
+            <a:schemeClr val="lt1"/>
+          </a:fontRef>
+        </p:style>
+        <p:txBody>
+          <a:bodyPr rtlCol="0" anchor="ctr"/>
+          <a:lstStyle/>
+          <a:p>
+            <a:pPr algn="ctr"/>
+            <a:endParaRPr lang="ko-KR" altLang="en-US"/>
+          </a:p>
+        </p:txBody>
+      </p:sp>
+      <p:pic>
+        <p:nvPicPr>
+          <p:cNvPr id="11" name="그림 10" descr="/Users/Yongs/Downloads/DB 브라우저 그림파일/1.png"/>
+          <p:cNvPicPr>
+            <a:picLocks noChangeAspect="1"/>
+          </p:cNvPicPr>
+          <p:nvPr/>
+        </p:nvPicPr>
+        <p:blipFill rotWithShape="1">
+          <a:blip r:embed="rId3">
+            <a:extLst>
+              <a:ext uri="{28A0092B-C50C-407E-A947-70E740481C1C}">
+                <a14:useLocalDpi xmlns:a14="http://schemas.microsoft.com/office/drawing/2010/main" val="0"/>
+              </a:ext>
+            </a:extLst>
+          </a:blip>
+          <a:srcRect l="22981" t="21597" r="22981" b="35065"/>
+          <a:stretch/>
+        </p:blipFill>
+        <p:spPr bwMode="auto">
+          <a:xfrm>
+            <a:off x="10678658" y="1655409"/>
+            <a:ext cx="306000" cy="252000"/>
+          </a:xfrm>
+          <a:prstGeom prst="rect">
+            <a:avLst/>
+          </a:prstGeom>
+          <a:noFill/>
+          <a:ln>
+            <a:noFill/>
+          </a:ln>
+          <a:extLst>
+            <a:ext uri="{53640926-AAD7-44D8-BBD7-CCE9431645EC}">
+              <a14:shadowObscured xmlns:a14="http://schemas.microsoft.com/office/drawing/2010/main"/>
+            </a:ext>
+          </a:extLst>
+        </p:spPr>
+      </p:pic>
+      <p:pic>
+        <p:nvPicPr>
+          <p:cNvPr id="12" name="그림 11" descr="/Users/Yongs/Downloads/DB 브라우저 그림파일/2.png"/>
+          <p:cNvPicPr>
+            <a:picLocks noChangeAspect="1"/>
+          </p:cNvPicPr>
+          <p:nvPr/>
+        </p:nvPicPr>
+        <p:blipFill rotWithShape="1">
+          <a:blip r:embed="rId4">
+            <a:extLst>
+              <a:ext uri="{28A0092B-C50C-407E-A947-70E740481C1C}">
+                <a14:useLocalDpi xmlns:a14="http://schemas.microsoft.com/office/drawing/2010/main" val="0"/>
+              </a:ext>
+            </a:extLst>
+          </a:blip>
+          <a:srcRect l="23487" t="21694" r="23487" b="34739"/>
+          <a:stretch/>
+        </p:blipFill>
+        <p:spPr bwMode="auto">
+          <a:xfrm>
+            <a:off x="9729138" y="4407276"/>
+            <a:ext cx="306000" cy="252000"/>
+          </a:xfrm>
+          <a:prstGeom prst="rect">
+            <a:avLst/>
+          </a:prstGeom>
+          <a:noFill/>
+          <a:ln>
+            <a:noFill/>
+          </a:ln>
+          <a:extLst>
+            <a:ext uri="{53640926-AAD7-44D8-BBD7-CCE9431645EC}">
+              <a14:shadowObscured xmlns:a14="http://schemas.microsoft.com/office/drawing/2010/main"/>
+            </a:ext>
+          </a:extLst>
+        </p:spPr>
+      </p:pic>
+      <p:pic>
+        <p:nvPicPr>
+          <p:cNvPr id="13" name="그림 12" descr="/Users/Yongs/Downloads/DB 브라우저 그림파일/3.png"/>
+          <p:cNvPicPr>
+            <a:picLocks noChangeAspect="1"/>
+          </p:cNvPicPr>
+          <p:nvPr/>
+        </p:nvPicPr>
+        <p:blipFill rotWithShape="1">
+          <a:blip r:embed="rId5">
+            <a:extLst>
+              <a:ext uri="{28A0092B-C50C-407E-A947-70E740481C1C}">
+                <a14:useLocalDpi xmlns:a14="http://schemas.microsoft.com/office/drawing/2010/main" val="0"/>
+              </a:ext>
+            </a:extLst>
+          </a:blip>
+          <a:srcRect l="22941" t="21673" r="22941" b="34717"/>
+          <a:stretch/>
+        </p:blipFill>
+        <p:spPr bwMode="auto">
+          <a:xfrm>
+            <a:off x="9754523" y="5033973"/>
+            <a:ext cx="306000" cy="252000"/>
+          </a:xfrm>
+          <a:prstGeom prst="rect">
+            <a:avLst/>
+          </a:prstGeom>
+          <a:noFill/>
+          <a:ln>
+            <a:noFill/>
+          </a:ln>
+          <a:extLst>
+            <a:ext uri="{53640926-AAD7-44D8-BBD7-CCE9431645EC}">
+              <a14:shadowObscured xmlns:a14="http://schemas.microsoft.com/office/drawing/2010/main"/>
+            </a:ext>
+          </a:extLst>
+        </p:spPr>
+      </p:pic>
+      <p:pic>
+        <p:nvPicPr>
+          <p:cNvPr id="16" name="그림 15" descr="/Users/Yongs/Downloads/DB 브라우저 그림파일/4.png"/>
+          <p:cNvPicPr>
+            <a:picLocks noChangeAspect="1"/>
+          </p:cNvPicPr>
+          <p:nvPr/>
+        </p:nvPicPr>
+        <p:blipFill rotWithShape="1">
+          <a:blip r:embed="rId6">
+            <a:extLst>
+              <a:ext uri="{28A0092B-C50C-407E-A947-70E740481C1C}">
+                <a14:useLocalDpi xmlns:a14="http://schemas.microsoft.com/office/drawing/2010/main" val="0"/>
+              </a:ext>
+            </a:extLst>
+          </a:blip>
+          <a:srcRect l="22941" t="21673" r="22941" b="34717"/>
+          <a:stretch/>
+        </p:blipFill>
+        <p:spPr bwMode="auto">
+          <a:xfrm>
+            <a:off x="10551279" y="3266628"/>
+            <a:ext cx="306000" cy="252000"/>
+          </a:xfrm>
+          <a:prstGeom prst="rect">
+            <a:avLst/>
+          </a:prstGeom>
+          <a:noFill/>
+          <a:ln>
+            <a:noFill/>
+          </a:ln>
+          <a:extLst>
+            <a:ext uri="{53640926-AAD7-44D8-BBD7-CCE9431645EC}">
+              <a14:shadowObscured xmlns:a14="http://schemas.microsoft.com/office/drawing/2010/main"/>
+            </a:ext>
+          </a:extLst>
+        </p:spPr>
+      </p:pic>
+      <p:pic>
+        <p:nvPicPr>
+          <p:cNvPr id="17" name="그림 16"/>
+          <p:cNvPicPr>
+            <a:picLocks noChangeAspect="1"/>
+          </p:cNvPicPr>
+          <p:nvPr/>
+        </p:nvPicPr>
+        <p:blipFill rotWithShape="1">
+          <a:blip r:embed="rId7">
+            <a:extLst>
+              <a:ext uri="{28A0092B-C50C-407E-A947-70E740481C1C}">
+                <a14:useLocalDpi xmlns:a14="http://schemas.microsoft.com/office/drawing/2010/main" val="0"/>
+              </a:ext>
+            </a:extLst>
+          </a:blip>
+          <a:srcRect l="22766" t="21738" r="22766" b="34782"/>
+          <a:stretch/>
+        </p:blipFill>
+        <p:spPr bwMode="auto">
+          <a:xfrm>
+            <a:off x="9671851" y="1080244"/>
+            <a:ext cx="306000" cy="252000"/>
+          </a:xfrm>
+          <a:prstGeom prst="rect">
+            <a:avLst/>
+          </a:prstGeom>
+          <a:ln>
+            <a:noFill/>
+          </a:ln>
+          <a:extLst>
+            <a:ext uri="{53640926-AAD7-44D8-BBD7-CCE9431645EC}">
+              <a14:shadowObscured xmlns:a14="http://schemas.microsoft.com/office/drawing/2010/main"/>
+            </a:ext>
+          </a:extLst>
+        </p:spPr>
+      </p:pic>
+      <p:sp>
+        <p:nvSpPr>
+          <p:cNvPr id="18" name="직사각형 17"/>
+          <p:cNvSpPr/>
+          <p:nvPr/>
+        </p:nvSpPr>
+        <p:spPr>
+          <a:xfrm>
+            <a:off x="9663225" y="1391567"/>
+            <a:ext cx="324000" cy="216000"/>
+          </a:xfrm>
+          <a:prstGeom prst="rect">
+            <a:avLst/>
+          </a:prstGeom>
+          <a:noFill/>
+          <a:ln w="19050">
+            <a:solidFill>
+              <a:schemeClr val="accent2"/>
+            </a:solidFill>
+          </a:ln>
+        </p:spPr>
+        <p:style>
+          <a:lnRef idx="2">
+            <a:schemeClr val="accent1">
+              <a:shade val="50000"/>
+            </a:schemeClr>
+          </a:lnRef>
+          <a:fillRef idx="1">
+            <a:schemeClr val="accent1"/>
+          </a:fillRef>
+          <a:effectRef idx="0">
+            <a:schemeClr val="accent1"/>
+          </a:effectRef>
+          <a:fontRef idx="minor">
+            <a:schemeClr val="lt1"/>
+          </a:fontRef>
+        </p:style>
+        <p:txBody>
+          <a:bodyPr rtlCol="0" anchor="ctr"/>
+          <a:lstStyle/>
+          <a:p>
+            <a:pPr algn="ctr"/>
+            <a:endParaRPr lang="ko-KR" altLang="en-US"/>
+          </a:p>
+        </p:txBody>
+      </p:sp>
+      <p:sp>
+        <p:nvSpPr>
+          <p:cNvPr id="19" name="직사각형 18"/>
+          <p:cNvSpPr>
+            <a:spLocks noChangeAspect="1"/>
+          </p:cNvSpPr>
+          <p:nvPr/>
+        </p:nvSpPr>
+        <p:spPr>
+          <a:xfrm>
+            <a:off x="10102103" y="5002797"/>
+            <a:ext cx="2124000" cy="283176"/>
+          </a:xfrm>
+          <a:prstGeom prst="rect">
+            <a:avLst/>
+          </a:prstGeom>
+          <a:noFill/>
+          <a:ln w="19050">
+            <a:solidFill>
+              <a:schemeClr val="accent2"/>
+            </a:solidFill>
+          </a:ln>
+        </p:spPr>
+        <p:style>
+          <a:lnRef idx="2">
+            <a:schemeClr val="accent1">
+              <a:shade val="50000"/>
+            </a:schemeClr>
+          </a:lnRef>
+          <a:fillRef idx="1">
+            <a:schemeClr val="accent1"/>
+          </a:fillRef>
+          <a:effectRef idx="0">
+            <a:schemeClr val="accent1"/>
+          </a:effectRef>
+          <a:fontRef idx="minor">
+            <a:schemeClr val="lt1"/>
+          </a:fontRef>
+        </p:style>
+        <p:txBody>
+          <a:bodyPr rtlCol="0" anchor="ctr"/>
+          <a:lstStyle/>
+          <a:p>
+            <a:pPr algn="ctr"/>
+            <a:endParaRPr lang="ko-KR" altLang="en-US"/>
+          </a:p>
+        </p:txBody>
+      </p:sp>
+      <p:sp>
+        <p:nvSpPr>
+          <p:cNvPr id="15" name="직사각형 14"/>
+          <p:cNvSpPr>
+            <a:spLocks/>
+          </p:cNvSpPr>
+          <p:nvPr/>
+        </p:nvSpPr>
+        <p:spPr>
+          <a:xfrm>
+            <a:off x="10831658" y="3807172"/>
+            <a:ext cx="814002" cy="256583"/>
+          </a:xfrm>
+          <a:prstGeom prst="rect">
+            <a:avLst/>
+          </a:prstGeom>
+          <a:noFill/>
+          <a:ln w="19050">
+            <a:solidFill>
+              <a:schemeClr val="accent2"/>
+            </a:solidFill>
+          </a:ln>
+        </p:spPr>
+        <p:style>
+          <a:lnRef idx="2">
+            <a:schemeClr val="accent1">
+              <a:shade val="50000"/>
+            </a:schemeClr>
+          </a:lnRef>
+          <a:fillRef idx="1">
+            <a:schemeClr val="accent1"/>
+          </a:fillRef>
+          <a:effectRef idx="0">
+            <a:schemeClr val="accent1"/>
+          </a:effectRef>
+          <a:fontRef idx="minor">
+            <a:schemeClr val="lt1"/>
+          </a:fontRef>
+        </p:style>
+        <p:txBody>
+          <a:bodyPr rtlCol="0" anchor="ctr"/>
+          <a:lstStyle/>
+          <a:p>
+            <a:pPr algn="ctr"/>
+            <a:endParaRPr lang="ko-KR" altLang="en-US"/>
           </a:p>
         </p:txBody>
       </p:sp>
     </p:spTree>
     <p:extLst>
       <p:ext uri="{BB962C8B-B14F-4D97-AF65-F5344CB8AC3E}">
-        <p14:creationId xmlns:p14="http://schemas.microsoft.com/office/powerpoint/2010/main" val="3956891026"/>
+        <p14:creationId xmlns:p14="http://schemas.microsoft.com/office/powerpoint/2010/main" val="4181151440"/>
       </p:ext>
     </p:extLst>
   </p:cSld>
